--- a/images/X-ray-scattering.pptx
+++ b/images/X-ray-scattering.pptx
@@ -104,6 +104,11 @@
       </a:defRPr>
     </a:lvl9pPr>
   </p:defaultTextStyle>
+  <p:extLst>
+    <p:ext uri="{EFAFB233-063F-42B5-8137-9DF3F51BA10A}">
+      <p15:sldGuideLst xmlns:p15="http://schemas.microsoft.com/office/powerpoint/2012/main"/>
+    </p:ext>
+  </p:extLst>
 </p:presentation>
 </file>
 
@@ -238,7 +243,7 @@
           <a:p>
             <a:fld id="{3A4A5F7E-0702-4567-951A-9B1AB387607A}" type="datetimeFigureOut">
               <a:rPr lang="en-US" smtClean="0"/>
-              <a:t>8/10/2016</a:t>
+              <a:t>1/12/17</a:t>
             </a:fld>
             <a:endParaRPr lang="en-US"/>
           </a:p>
@@ -408,7 +413,7 @@
           <a:p>
             <a:fld id="{3A4A5F7E-0702-4567-951A-9B1AB387607A}" type="datetimeFigureOut">
               <a:rPr lang="en-US" smtClean="0"/>
-              <a:t>8/10/2016</a:t>
+              <a:t>1/12/17</a:t>
             </a:fld>
             <a:endParaRPr lang="en-US"/>
           </a:p>
@@ -588,7 +593,7 @@
           <a:p>
             <a:fld id="{3A4A5F7E-0702-4567-951A-9B1AB387607A}" type="datetimeFigureOut">
               <a:rPr lang="en-US" smtClean="0"/>
-              <a:t>8/10/2016</a:t>
+              <a:t>1/12/17</a:t>
             </a:fld>
             <a:endParaRPr lang="en-US"/>
           </a:p>
@@ -758,7 +763,7 @@
           <a:p>
             <a:fld id="{3A4A5F7E-0702-4567-951A-9B1AB387607A}" type="datetimeFigureOut">
               <a:rPr lang="en-US" smtClean="0"/>
-              <a:t>8/10/2016</a:t>
+              <a:t>1/12/17</a:t>
             </a:fld>
             <a:endParaRPr lang="en-US"/>
           </a:p>
@@ -1004,7 +1009,7 @@
           <a:p>
             <a:fld id="{3A4A5F7E-0702-4567-951A-9B1AB387607A}" type="datetimeFigureOut">
               <a:rPr lang="en-US" smtClean="0"/>
-              <a:t>8/10/2016</a:t>
+              <a:t>1/12/17</a:t>
             </a:fld>
             <a:endParaRPr lang="en-US"/>
           </a:p>
@@ -1236,7 +1241,7 @@
           <a:p>
             <a:fld id="{3A4A5F7E-0702-4567-951A-9B1AB387607A}" type="datetimeFigureOut">
               <a:rPr lang="en-US" smtClean="0"/>
-              <a:t>8/10/2016</a:t>
+              <a:t>1/12/17</a:t>
             </a:fld>
             <a:endParaRPr lang="en-US"/>
           </a:p>
@@ -1603,7 +1608,7 @@
           <a:p>
             <a:fld id="{3A4A5F7E-0702-4567-951A-9B1AB387607A}" type="datetimeFigureOut">
               <a:rPr lang="en-US" smtClean="0"/>
-              <a:t>8/10/2016</a:t>
+              <a:t>1/12/17</a:t>
             </a:fld>
             <a:endParaRPr lang="en-US"/>
           </a:p>
@@ -1721,7 +1726,7 @@
           <a:p>
             <a:fld id="{3A4A5F7E-0702-4567-951A-9B1AB387607A}" type="datetimeFigureOut">
               <a:rPr lang="en-US" smtClean="0"/>
-              <a:t>8/10/2016</a:t>
+              <a:t>1/12/17</a:t>
             </a:fld>
             <a:endParaRPr lang="en-US"/>
           </a:p>
@@ -1816,7 +1821,7 @@
           <a:p>
             <a:fld id="{3A4A5F7E-0702-4567-951A-9B1AB387607A}" type="datetimeFigureOut">
               <a:rPr lang="en-US" smtClean="0"/>
-              <a:t>8/10/2016</a:t>
+              <a:t>1/12/17</a:t>
             </a:fld>
             <a:endParaRPr lang="en-US"/>
           </a:p>
@@ -2093,7 +2098,7 @@
           <a:p>
             <a:fld id="{3A4A5F7E-0702-4567-951A-9B1AB387607A}" type="datetimeFigureOut">
               <a:rPr lang="en-US" smtClean="0"/>
-              <a:t>8/10/2016</a:t>
+              <a:t>1/12/17</a:t>
             </a:fld>
             <a:endParaRPr lang="en-US"/>
           </a:p>
@@ -2346,7 +2351,7 @@
           <a:p>
             <a:fld id="{3A4A5F7E-0702-4567-951A-9B1AB387607A}" type="datetimeFigureOut">
               <a:rPr lang="en-US" smtClean="0"/>
-              <a:t>8/10/2016</a:t>
+              <a:t>1/12/17</a:t>
             </a:fld>
             <a:endParaRPr lang="en-US"/>
           </a:p>
@@ -2559,7 +2564,7 @@
           <a:p>
             <a:fld id="{3A4A5F7E-0702-4567-951A-9B1AB387607A}" type="datetimeFigureOut">
               <a:rPr lang="en-US" smtClean="0"/>
-              <a:t>8/10/2016</a:t>
+              <a:t>1/12/17</a:t>
             </a:fld>
             <a:endParaRPr lang="en-US"/>
           </a:p>
@@ -2964,908 +2969,923 @@
           <a:chExt cx="0" cy="0"/>
         </a:xfrm>
       </p:grpSpPr>
-      <p:sp>
-        <p:nvSpPr>
-          <p:cNvPr id="4" name="Oval 3"/>
-          <p:cNvSpPr/>
+      <p:grpSp>
+        <p:nvGrpSpPr>
+          <p:cNvPr id="3" name="Group 2"/>
+          <p:cNvGrpSpPr/>
           <p:nvPr/>
-        </p:nvSpPr>
-        <p:spPr>
+        </p:nvGrpSpPr>
+        <p:grpSpPr>
           <a:xfrm>
-            <a:off x="5148198" y="2417524"/>
-            <a:ext cx="2016690" cy="2016690"/>
+            <a:off x="1847342" y="998483"/>
+            <a:ext cx="8737150" cy="3435731"/>
+            <a:chOff x="1847342" y="998483"/>
+            <a:chExt cx="8737150" cy="3435731"/>
           </a:xfrm>
-          <a:prstGeom prst="ellipse">
-            <a:avLst/>
-          </a:prstGeom>
-        </p:spPr>
-        <p:style>
-          <a:lnRef idx="2">
-            <a:schemeClr val="accent1">
-              <a:shade val="50000"/>
-            </a:schemeClr>
-          </a:lnRef>
-          <a:fillRef idx="1">
-            <a:schemeClr val="accent1"/>
-          </a:fillRef>
-          <a:effectRef idx="0">
-            <a:schemeClr val="accent1"/>
-          </a:effectRef>
-          <a:fontRef idx="minor">
-            <a:schemeClr val="lt1"/>
-          </a:fontRef>
-        </p:style>
-        <p:txBody>
-          <a:bodyPr rtlCol="0" anchor="ctr"/>
-          <a:lstStyle/>
-          <a:p>
-            <a:pPr algn="ctr"/>
-            <a:endParaRPr lang="en-US" dirty="0"/>
-          </a:p>
-        </p:txBody>
-      </p:sp>
-      <p:cxnSp>
-        <p:nvCxnSpPr>
-          <p:cNvPr id="12" name="Straight Connector 11"/>
-          <p:cNvCxnSpPr/>
-          <p:nvPr/>
-        </p:nvCxnSpPr>
-        <p:spPr>
-          <a:xfrm flipH="1">
-            <a:off x="6150279" y="2805830"/>
-            <a:ext cx="6264" cy="0"/>
-          </a:xfrm>
-          <a:prstGeom prst="line">
-            <a:avLst/>
-          </a:prstGeom>
-        </p:spPr>
-        <p:style>
-          <a:lnRef idx="1">
-            <a:schemeClr val="accent1"/>
-          </a:lnRef>
-          <a:fillRef idx="0">
-            <a:schemeClr val="accent1"/>
-          </a:fillRef>
-          <a:effectRef idx="0">
-            <a:schemeClr val="accent1"/>
-          </a:effectRef>
-          <a:fontRef idx="minor">
-            <a:schemeClr val="tx1"/>
-          </a:fontRef>
-        </p:style>
-      </p:cxnSp>
-      <p:cxnSp>
-        <p:nvCxnSpPr>
-          <p:cNvPr id="23" name="Straight Connector 22"/>
-          <p:cNvCxnSpPr/>
-          <p:nvPr/>
-        </p:nvCxnSpPr>
-        <p:spPr>
-          <a:xfrm>
-            <a:off x="6145517" y="2805830"/>
-            <a:ext cx="276715" cy="534444"/>
-          </a:xfrm>
-          <a:prstGeom prst="line">
-            <a:avLst/>
-          </a:prstGeom>
-          <a:ln w="12700">
+        </p:grpSpPr>
+        <p:sp>
+          <p:nvSpPr>
+            <p:cNvPr id="4" name="Oval 3"/>
+            <p:cNvSpPr/>
+            <p:nvPr/>
+          </p:nvSpPr>
+          <p:spPr>
+            <a:xfrm>
+              <a:off x="5148198" y="2417524"/>
+              <a:ext cx="2016690" cy="2016690"/>
+            </a:xfrm>
+            <a:prstGeom prst="ellipse">
+              <a:avLst/>
+            </a:prstGeom>
+          </p:spPr>
+          <p:style>
+            <a:lnRef idx="2">
+              <a:schemeClr val="accent1">
+                <a:shade val="50000"/>
+              </a:schemeClr>
+            </a:lnRef>
+            <a:fillRef idx="1">
+              <a:schemeClr val="accent1"/>
+            </a:fillRef>
+            <a:effectRef idx="0">
+              <a:schemeClr val="accent1"/>
+            </a:effectRef>
+            <a:fontRef idx="minor">
+              <a:schemeClr val="lt1"/>
+            </a:fontRef>
+          </p:style>
+          <p:txBody>
+            <a:bodyPr rtlCol="0" anchor="ctr"/>
+            <a:lstStyle/>
+            <a:p>
+              <a:pPr algn="ctr"/>
+              <a:endParaRPr lang="en-US" dirty="0"/>
+            </a:p>
+          </p:txBody>
+        </p:sp>
+        <p:cxnSp>
+          <p:nvCxnSpPr>
+            <p:cNvPr id="12" name="Straight Connector 11"/>
+            <p:cNvCxnSpPr/>
+            <p:nvPr/>
+          </p:nvCxnSpPr>
+          <p:spPr>
+            <a:xfrm flipH="1">
+              <a:off x="6150279" y="2805830"/>
+              <a:ext cx="6264" cy="0"/>
+            </a:xfrm>
+            <a:prstGeom prst="line">
+              <a:avLst/>
+            </a:prstGeom>
+          </p:spPr>
+          <p:style>
+            <a:lnRef idx="1">
+              <a:schemeClr val="accent1"/>
+            </a:lnRef>
+            <a:fillRef idx="0">
+              <a:schemeClr val="accent1"/>
+            </a:fillRef>
+            <a:effectRef idx="0">
+              <a:schemeClr val="accent1"/>
+            </a:effectRef>
+            <a:fontRef idx="minor">
+              <a:schemeClr val="tx1"/>
+            </a:fontRef>
+          </p:style>
+        </p:cxnSp>
+        <p:cxnSp>
+          <p:nvCxnSpPr>
+            <p:cNvPr id="23" name="Straight Connector 22"/>
+            <p:cNvCxnSpPr/>
+            <p:nvPr/>
+          </p:nvCxnSpPr>
+          <p:spPr>
+            <a:xfrm>
+              <a:off x="6145517" y="2805830"/>
+              <a:ext cx="276715" cy="534444"/>
+            </a:xfrm>
+            <a:prstGeom prst="line">
+              <a:avLst/>
+            </a:prstGeom>
+            <a:ln w="12700">
+              <a:solidFill>
+                <a:schemeClr val="bg1">
+                  <a:lumMod val="95000"/>
+                </a:schemeClr>
+              </a:solidFill>
+              <a:prstDash val="sysDash"/>
+            </a:ln>
+          </p:spPr>
+          <p:style>
+            <a:lnRef idx="1">
+              <a:schemeClr val="accent1"/>
+            </a:lnRef>
+            <a:fillRef idx="0">
+              <a:schemeClr val="accent1"/>
+            </a:fillRef>
+            <a:effectRef idx="0">
+              <a:schemeClr val="accent1"/>
+            </a:effectRef>
+            <a:fontRef idx="minor">
+              <a:schemeClr val="tx1"/>
+            </a:fontRef>
+          </p:style>
+        </p:cxnSp>
+        <p:cxnSp>
+          <p:nvCxnSpPr>
+            <p:cNvPr id="25" name="Straight Connector 24"/>
+            <p:cNvCxnSpPr/>
+            <p:nvPr/>
+          </p:nvCxnSpPr>
+          <p:spPr>
+            <a:xfrm flipH="1">
+              <a:off x="5904201" y="2805830"/>
+              <a:ext cx="257983" cy="534444"/>
+            </a:xfrm>
+            <a:prstGeom prst="line">
+              <a:avLst/>
+            </a:prstGeom>
+            <a:ln w="12700">
+              <a:solidFill>
+                <a:schemeClr val="bg1">
+                  <a:lumMod val="95000"/>
+                </a:schemeClr>
+              </a:solidFill>
+              <a:prstDash val="sysDash"/>
+            </a:ln>
+          </p:spPr>
+          <p:style>
+            <a:lnRef idx="1">
+              <a:schemeClr val="accent1"/>
+            </a:lnRef>
+            <a:fillRef idx="0">
+              <a:schemeClr val="accent1"/>
+            </a:fillRef>
+            <a:effectRef idx="0">
+              <a:schemeClr val="accent1"/>
+            </a:effectRef>
+            <a:fontRef idx="minor">
+              <a:schemeClr val="tx1"/>
+            </a:fontRef>
+          </p:style>
+        </p:cxnSp>
+        <p:sp>
+          <p:nvSpPr>
+            <p:cNvPr id="28" name="Arc 27"/>
+            <p:cNvSpPr/>
+            <p:nvPr/>
+          </p:nvSpPr>
+          <p:spPr>
+            <a:xfrm rot="1299050">
+              <a:off x="5752470" y="3166933"/>
+              <a:ext cx="323666" cy="360971"/>
+            </a:xfrm>
+            <a:prstGeom prst="arc">
+              <a:avLst/>
+            </a:prstGeom>
+            <a:ln>
+              <a:solidFill>
+                <a:schemeClr val="bg1">
+                  <a:lumMod val="95000"/>
+                </a:schemeClr>
+              </a:solidFill>
+            </a:ln>
+          </p:spPr>
+          <p:style>
+            <a:lnRef idx="1">
+              <a:schemeClr val="accent1"/>
+            </a:lnRef>
+            <a:fillRef idx="0">
+              <a:schemeClr val="accent1"/>
+            </a:fillRef>
+            <a:effectRef idx="0">
+              <a:schemeClr val="accent1"/>
+            </a:effectRef>
+            <a:fontRef idx="minor">
+              <a:schemeClr val="tx1"/>
+            </a:fontRef>
+          </p:style>
+          <p:txBody>
+            <a:bodyPr rtlCol="0" anchor="ctr"/>
+            <a:lstStyle/>
+            <a:p>
+              <a:pPr algn="ctr"/>
+              <a:endParaRPr lang="en-US"/>
+            </a:p>
+          </p:txBody>
+        </p:sp>
+        <p:sp>
+          <p:nvSpPr>
+            <p:cNvPr id="38" name="Arc 37"/>
+            <p:cNvSpPr/>
+            <p:nvPr/>
+          </p:nvSpPr>
+          <p:spPr>
+            <a:xfrm rot="19973593" flipH="1">
+              <a:off x="6274141" y="3174092"/>
+              <a:ext cx="264114" cy="313745"/>
+            </a:xfrm>
+            <a:prstGeom prst="arc">
+              <a:avLst/>
+            </a:prstGeom>
+            <a:ln>
+              <a:solidFill>
+                <a:schemeClr val="bg1">
+                  <a:lumMod val="95000"/>
+                </a:schemeClr>
+              </a:solidFill>
+            </a:ln>
+          </p:spPr>
+          <p:style>
+            <a:lnRef idx="1">
+              <a:schemeClr val="accent1"/>
+            </a:lnRef>
+            <a:fillRef idx="0">
+              <a:schemeClr val="accent1"/>
+            </a:fillRef>
+            <a:effectRef idx="0">
+              <a:schemeClr val="accent1"/>
+            </a:effectRef>
+            <a:fontRef idx="minor">
+              <a:schemeClr val="tx1"/>
+            </a:fontRef>
+          </p:style>
+          <p:txBody>
+            <a:bodyPr rtlCol="0" anchor="ctr"/>
+            <a:lstStyle/>
+            <a:p>
+              <a:pPr algn="ctr"/>
+              <a:endParaRPr lang="en-US"/>
+            </a:p>
+          </p:txBody>
+        </p:sp>
+        <p:sp>
+          <p:nvSpPr>
+            <p:cNvPr id="39" name="Oval 38"/>
+            <p:cNvSpPr/>
+            <p:nvPr/>
+          </p:nvSpPr>
+          <p:spPr>
+            <a:xfrm>
+              <a:off x="5966941" y="3281363"/>
+              <a:ext cx="45719" cy="45719"/>
+            </a:xfrm>
+            <a:prstGeom prst="ellipse">
+              <a:avLst/>
+            </a:prstGeom>
             <a:solidFill>
-              <a:schemeClr val="bg1">
-                <a:lumMod val="95000"/>
+              <a:schemeClr val="bg1"/>
+            </a:solidFill>
+            <a:ln>
+              <a:solidFill>
+                <a:schemeClr val="accent1"/>
+              </a:solidFill>
+            </a:ln>
+          </p:spPr>
+          <p:style>
+            <a:lnRef idx="2">
+              <a:schemeClr val="accent1">
+                <a:shade val="50000"/>
               </a:schemeClr>
+            </a:lnRef>
+            <a:fillRef idx="1">
+              <a:schemeClr val="accent1"/>
+            </a:fillRef>
+            <a:effectRef idx="0">
+              <a:schemeClr val="accent1"/>
+            </a:effectRef>
+            <a:fontRef idx="minor">
+              <a:schemeClr val="lt1"/>
+            </a:fontRef>
+          </p:style>
+          <p:txBody>
+            <a:bodyPr rtlCol="0" anchor="ctr"/>
+            <a:lstStyle/>
+            <a:p>
+              <a:pPr algn="ctr"/>
+              <a:endParaRPr lang="en-US"/>
+            </a:p>
+          </p:txBody>
+        </p:sp>
+        <p:sp>
+          <p:nvSpPr>
+            <p:cNvPr id="40" name="Oval 39"/>
+            <p:cNvSpPr/>
+            <p:nvPr/>
+          </p:nvSpPr>
+          <p:spPr>
+            <a:xfrm>
+              <a:off x="6319364" y="3278972"/>
+              <a:ext cx="45719" cy="45719"/>
+            </a:xfrm>
+            <a:prstGeom prst="ellipse">
+              <a:avLst/>
+            </a:prstGeom>
+            <a:solidFill>
+              <a:schemeClr val="bg1"/>
             </a:solidFill>
-            <a:prstDash val="sysDash"/>
-          </a:ln>
-        </p:spPr>
-        <p:style>
-          <a:lnRef idx="1">
-            <a:schemeClr val="accent1"/>
-          </a:lnRef>
-          <a:fillRef idx="0">
-            <a:schemeClr val="accent1"/>
-          </a:fillRef>
-          <a:effectRef idx="0">
-            <a:schemeClr val="accent1"/>
-          </a:effectRef>
-          <a:fontRef idx="minor">
-            <a:schemeClr val="tx1"/>
-          </a:fontRef>
-        </p:style>
-      </p:cxnSp>
-      <p:cxnSp>
-        <p:nvCxnSpPr>
-          <p:cNvPr id="25" name="Straight Connector 24"/>
-          <p:cNvCxnSpPr/>
-          <p:nvPr/>
-        </p:nvCxnSpPr>
-        <p:spPr>
-          <a:xfrm flipH="1">
-            <a:off x="5904201" y="2805830"/>
-            <a:ext cx="257983" cy="534444"/>
-          </a:xfrm>
-          <a:prstGeom prst="line">
-            <a:avLst/>
-          </a:prstGeom>
-          <a:ln w="12700">
-            <a:solidFill>
-              <a:schemeClr val="bg1">
-                <a:lumMod val="95000"/>
+            <a:ln>
+              <a:solidFill>
+                <a:schemeClr val="accent1"/>
+              </a:solidFill>
+            </a:ln>
+          </p:spPr>
+          <p:style>
+            <a:lnRef idx="2">
+              <a:schemeClr val="accent1">
+                <a:shade val="50000"/>
               </a:schemeClr>
-            </a:solidFill>
-            <a:prstDash val="sysDash"/>
-          </a:ln>
-        </p:spPr>
-        <p:style>
-          <a:lnRef idx="1">
-            <a:schemeClr val="accent1"/>
-          </a:lnRef>
-          <a:fillRef idx="0">
-            <a:schemeClr val="accent1"/>
-          </a:fillRef>
-          <a:effectRef idx="0">
-            <a:schemeClr val="accent1"/>
-          </a:effectRef>
-          <a:fontRef idx="minor">
-            <a:schemeClr val="tx1"/>
-          </a:fontRef>
-        </p:style>
-      </p:cxnSp>
-      <p:sp>
-        <p:nvSpPr>
-          <p:cNvPr id="28" name="Arc 27"/>
-          <p:cNvSpPr/>
-          <p:nvPr/>
-        </p:nvSpPr>
-        <p:spPr>
-          <a:xfrm rot="1299050">
-            <a:off x="5752470" y="3166933"/>
-            <a:ext cx="323666" cy="360971"/>
-          </a:xfrm>
-          <a:prstGeom prst="arc">
-            <a:avLst/>
-          </a:prstGeom>
-          <a:ln>
-            <a:solidFill>
-              <a:schemeClr val="bg1">
-                <a:lumMod val="95000"/>
-              </a:schemeClr>
-            </a:solidFill>
-          </a:ln>
-        </p:spPr>
-        <p:style>
-          <a:lnRef idx="1">
-            <a:schemeClr val="accent1"/>
-          </a:lnRef>
-          <a:fillRef idx="0">
-            <a:schemeClr val="accent1"/>
-          </a:fillRef>
-          <a:effectRef idx="0">
-            <a:schemeClr val="accent1"/>
-          </a:effectRef>
-          <a:fontRef idx="minor">
-            <a:schemeClr val="tx1"/>
-          </a:fontRef>
-        </p:style>
-        <p:txBody>
-          <a:bodyPr rtlCol="0" anchor="ctr"/>
-          <a:lstStyle/>
-          <a:p>
-            <a:pPr algn="ctr"/>
-            <a:endParaRPr lang="en-US"/>
-          </a:p>
-        </p:txBody>
-      </p:sp>
-      <p:sp>
-        <p:nvSpPr>
-          <p:cNvPr id="38" name="Arc 37"/>
-          <p:cNvSpPr/>
-          <p:nvPr/>
-        </p:nvSpPr>
-        <p:spPr>
-          <a:xfrm rot="19973593" flipH="1">
-            <a:off x="6274141" y="3174092"/>
-            <a:ext cx="264114" cy="313745"/>
-          </a:xfrm>
-          <a:prstGeom prst="arc">
-            <a:avLst/>
-          </a:prstGeom>
-          <a:ln>
-            <a:solidFill>
-              <a:schemeClr val="bg1">
-                <a:lumMod val="95000"/>
-              </a:schemeClr>
-            </a:solidFill>
-          </a:ln>
-        </p:spPr>
-        <p:style>
-          <a:lnRef idx="1">
-            <a:schemeClr val="accent1"/>
-          </a:lnRef>
-          <a:fillRef idx="0">
-            <a:schemeClr val="accent1"/>
-          </a:fillRef>
-          <a:effectRef idx="0">
-            <a:schemeClr val="accent1"/>
-          </a:effectRef>
-          <a:fontRef idx="minor">
-            <a:schemeClr val="tx1"/>
-          </a:fontRef>
-        </p:style>
-        <p:txBody>
-          <a:bodyPr rtlCol="0" anchor="ctr"/>
-          <a:lstStyle/>
-          <a:p>
-            <a:pPr algn="ctr"/>
-            <a:endParaRPr lang="en-US"/>
-          </a:p>
-        </p:txBody>
-      </p:sp>
-      <p:sp>
-        <p:nvSpPr>
-          <p:cNvPr id="39" name="Oval 38"/>
-          <p:cNvSpPr/>
-          <p:nvPr/>
-        </p:nvSpPr>
-        <p:spPr>
-          <a:xfrm>
-            <a:off x="5966941" y="3281363"/>
-            <a:ext cx="45719" cy="45719"/>
-          </a:xfrm>
-          <a:prstGeom prst="ellipse">
-            <a:avLst/>
-          </a:prstGeom>
-          <a:solidFill>
-            <a:schemeClr val="bg1"/>
-          </a:solidFill>
-          <a:ln>
-            <a:solidFill>
-              <a:schemeClr val="accent1"/>
-            </a:solidFill>
-          </a:ln>
-        </p:spPr>
-        <p:style>
-          <a:lnRef idx="2">
-            <a:schemeClr val="accent1">
-              <a:shade val="50000"/>
-            </a:schemeClr>
-          </a:lnRef>
-          <a:fillRef idx="1">
-            <a:schemeClr val="accent1"/>
-          </a:fillRef>
-          <a:effectRef idx="0">
-            <a:schemeClr val="accent1"/>
-          </a:effectRef>
-          <a:fontRef idx="minor">
-            <a:schemeClr val="lt1"/>
-          </a:fontRef>
-        </p:style>
-        <p:txBody>
-          <a:bodyPr rtlCol="0" anchor="ctr"/>
-          <a:lstStyle/>
-          <a:p>
-            <a:pPr algn="ctr"/>
-            <a:endParaRPr lang="en-US"/>
-          </a:p>
-        </p:txBody>
-      </p:sp>
-      <p:sp>
-        <p:nvSpPr>
-          <p:cNvPr id="40" name="Oval 39"/>
-          <p:cNvSpPr/>
-          <p:nvPr/>
-        </p:nvSpPr>
-        <p:spPr>
-          <a:xfrm>
-            <a:off x="6319364" y="3278972"/>
-            <a:ext cx="45719" cy="45719"/>
-          </a:xfrm>
-          <a:prstGeom prst="ellipse">
-            <a:avLst/>
-          </a:prstGeom>
-          <a:solidFill>
-            <a:schemeClr val="bg1"/>
-          </a:solidFill>
-          <a:ln>
-            <a:solidFill>
-              <a:schemeClr val="accent1"/>
-            </a:solidFill>
-          </a:ln>
-        </p:spPr>
-        <p:style>
-          <a:lnRef idx="2">
-            <a:schemeClr val="accent1">
-              <a:shade val="50000"/>
-            </a:schemeClr>
-          </a:lnRef>
-          <a:fillRef idx="1">
-            <a:schemeClr val="accent1"/>
-          </a:fillRef>
-          <a:effectRef idx="0">
-            <a:schemeClr val="accent1"/>
-          </a:effectRef>
-          <a:fontRef idx="minor">
-            <a:schemeClr val="lt1"/>
-          </a:fontRef>
-        </p:style>
-        <p:txBody>
-          <a:bodyPr rtlCol="0" anchor="ctr"/>
-          <a:lstStyle/>
-          <a:p>
-            <a:pPr algn="ctr"/>
-            <a:endParaRPr lang="en-US"/>
-          </a:p>
-        </p:txBody>
-      </p:sp>
-      <p:sp>
-        <p:nvSpPr>
-          <p:cNvPr id="45" name="TextBox 44"/>
-          <p:cNvSpPr txBox="1"/>
-          <p:nvPr/>
-        </p:nvSpPr>
-        <p:spPr>
-          <a:xfrm>
-            <a:off x="4599817" y="1669093"/>
-            <a:ext cx="288862" cy="369332"/>
-          </a:xfrm>
-          <a:prstGeom prst="rect">
-            <a:avLst/>
-          </a:prstGeom>
-          <a:noFill/>
-        </p:spPr>
-        <p:txBody>
-          <a:bodyPr wrap="none" rtlCol="0">
-            <a:spAutoFit/>
-          </a:bodyPr>
-          <a:lstStyle/>
-          <a:p>
-            <a:r>
-              <a:rPr lang="en-US" dirty="0" smtClean="0"/>
-              <a:t>k</a:t>
-            </a:r>
-            <a:endParaRPr lang="en-US" dirty="0"/>
-          </a:p>
-        </p:txBody>
-      </p:sp>
-      <p:sp>
-        <p:nvSpPr>
-          <p:cNvPr id="46" name="TextBox 45"/>
-          <p:cNvSpPr txBox="1"/>
-          <p:nvPr/>
-        </p:nvSpPr>
-        <p:spPr>
-          <a:xfrm>
-            <a:off x="7353300" y="1669094"/>
-            <a:ext cx="346570" cy="369332"/>
-          </a:xfrm>
-          <a:prstGeom prst="rect">
-            <a:avLst/>
-          </a:prstGeom>
-          <a:noFill/>
-        </p:spPr>
-        <p:txBody>
-          <a:bodyPr wrap="none" rtlCol="0">
-            <a:spAutoFit/>
-          </a:bodyPr>
-          <a:lstStyle/>
-          <a:p>
-            <a:r>
-              <a:rPr lang="en-US" dirty="0"/>
-              <a:t>k</a:t>
-            </a:r>
-            <a:r>
-              <a:rPr lang="en-US" dirty="0" smtClean="0"/>
-              <a:t>’</a:t>
-            </a:r>
-            <a:endParaRPr lang="en-US" dirty="0"/>
-          </a:p>
-        </p:txBody>
-      </p:sp>
-      <p:sp>
-        <p:nvSpPr>
-          <p:cNvPr id="47" name="TextBox 46"/>
-          <p:cNvSpPr txBox="1"/>
-          <p:nvPr/>
-        </p:nvSpPr>
-        <p:spPr>
-          <a:xfrm>
-            <a:off x="5997581" y="3387832"/>
-            <a:ext cx="336952" cy="369332"/>
-          </a:xfrm>
-          <a:prstGeom prst="rect">
-            <a:avLst/>
-          </a:prstGeom>
-          <a:noFill/>
-        </p:spPr>
-        <p:txBody>
-          <a:bodyPr wrap="none" rtlCol="0">
-            <a:spAutoFit/>
-          </a:bodyPr>
-          <a:lstStyle/>
-          <a:p>
-            <a:r>
-              <a:rPr lang="en-US" dirty="0" smtClean="0"/>
-              <a:t>O</a:t>
-            </a:r>
-            <a:endParaRPr lang="en-US" dirty="0"/>
-          </a:p>
-        </p:txBody>
-      </p:sp>
-      <p:cxnSp>
-        <p:nvCxnSpPr>
-          <p:cNvPr id="17" name="Straight Connector 16"/>
-          <p:cNvCxnSpPr/>
-          <p:nvPr/>
-        </p:nvCxnSpPr>
-        <p:spPr>
-          <a:xfrm flipV="1">
-            <a:off x="6150279" y="1016175"/>
-            <a:ext cx="4158643" cy="1789656"/>
-          </a:xfrm>
-          <a:prstGeom prst="line">
-            <a:avLst/>
-          </a:prstGeom>
-          <a:ln w="28575">
-            <a:solidFill>
-              <a:srgbClr val="FF0000"/>
-            </a:solidFill>
-          </a:ln>
-        </p:spPr>
-        <p:style>
-          <a:lnRef idx="1">
-            <a:schemeClr val="accent1"/>
-          </a:lnRef>
-          <a:fillRef idx="0">
-            <a:schemeClr val="accent1"/>
-          </a:fillRef>
-          <a:effectRef idx="0">
-            <a:schemeClr val="accent1"/>
-          </a:effectRef>
-          <a:fontRef idx="minor">
-            <a:schemeClr val="tx1"/>
-          </a:fontRef>
-        </p:style>
-      </p:cxnSp>
-      <p:cxnSp>
-        <p:nvCxnSpPr>
-          <p:cNvPr id="14" name="Straight Connector 13"/>
-          <p:cNvCxnSpPr/>
-          <p:nvPr/>
-        </p:nvCxnSpPr>
-        <p:spPr>
-          <a:xfrm flipH="1" flipV="1">
-            <a:off x="2299063" y="1073325"/>
-            <a:ext cx="3857482" cy="1732506"/>
-          </a:xfrm>
-          <a:prstGeom prst="line">
-            <a:avLst/>
-          </a:prstGeom>
-          <a:ln w="28575">
-            <a:solidFill>
-              <a:srgbClr val="FF0000"/>
-            </a:solidFill>
-          </a:ln>
-        </p:spPr>
-        <p:style>
-          <a:lnRef idx="1">
-            <a:schemeClr val="accent1"/>
-          </a:lnRef>
-          <a:fillRef idx="0">
-            <a:schemeClr val="accent1"/>
-          </a:fillRef>
-          <a:effectRef idx="0">
-            <a:schemeClr val="accent1"/>
-          </a:effectRef>
-          <a:fontRef idx="minor">
-            <a:schemeClr val="tx1"/>
-          </a:fontRef>
-        </p:style>
-      </p:cxnSp>
-      <p:cxnSp>
-        <p:nvCxnSpPr>
-          <p:cNvPr id="6" name="Straight Connector 5"/>
-          <p:cNvCxnSpPr/>
-          <p:nvPr/>
-        </p:nvCxnSpPr>
-        <p:spPr>
-          <a:xfrm flipH="1" flipV="1">
-            <a:off x="2008926" y="1666713"/>
-            <a:ext cx="4152379" cy="1794353"/>
-          </a:xfrm>
-          <a:prstGeom prst="line">
-            <a:avLst/>
-          </a:prstGeom>
-          <a:ln w="28575">
-            <a:solidFill>
-              <a:srgbClr val="FF0000"/>
-            </a:solidFill>
-          </a:ln>
-        </p:spPr>
-        <p:style>
-          <a:lnRef idx="1">
-            <a:schemeClr val="accent1"/>
-          </a:lnRef>
-          <a:fillRef idx="0">
-            <a:schemeClr val="accent1"/>
-          </a:fillRef>
-          <a:effectRef idx="0">
-            <a:schemeClr val="accent1"/>
-          </a:effectRef>
-          <a:fontRef idx="minor">
-            <a:schemeClr val="tx1"/>
-          </a:fontRef>
-        </p:style>
-      </p:cxnSp>
-      <p:cxnSp>
-        <p:nvCxnSpPr>
-          <p:cNvPr id="9" name="Straight Connector 8"/>
-          <p:cNvCxnSpPr/>
-          <p:nvPr/>
-        </p:nvCxnSpPr>
-        <p:spPr>
-          <a:xfrm flipV="1">
-            <a:off x="6156543" y="1518781"/>
-            <a:ext cx="4427949" cy="1944667"/>
-          </a:xfrm>
-          <a:prstGeom prst="line">
-            <a:avLst/>
-          </a:prstGeom>
-          <a:ln w="28575">
-            <a:solidFill>
-              <a:srgbClr val="FF0000"/>
-            </a:solidFill>
-          </a:ln>
-        </p:spPr>
-        <p:style>
-          <a:lnRef idx="1">
-            <a:schemeClr val="accent1"/>
-          </a:lnRef>
-          <a:fillRef idx="0">
-            <a:schemeClr val="accent1"/>
-          </a:fillRef>
-          <a:effectRef idx="0">
-            <a:schemeClr val="accent1"/>
-          </a:effectRef>
-          <a:fontRef idx="minor">
-            <a:schemeClr val="tx1"/>
-          </a:fontRef>
-        </p:style>
-      </p:cxnSp>
-      <p:cxnSp>
-        <p:nvCxnSpPr>
-          <p:cNvPr id="51" name="Straight Connector 50"/>
-          <p:cNvCxnSpPr/>
-          <p:nvPr/>
-        </p:nvCxnSpPr>
-        <p:spPr>
-          <a:xfrm>
-            <a:off x="6012660" y="3397358"/>
-            <a:ext cx="1611856" cy="736041"/>
-          </a:xfrm>
-          <a:prstGeom prst="line">
-            <a:avLst/>
-          </a:prstGeom>
-          <a:ln w="19050">
-            <a:solidFill>
-              <a:srgbClr val="FF0000"/>
-            </a:solidFill>
-            <a:prstDash val="dash"/>
-          </a:ln>
-        </p:spPr>
-        <p:style>
-          <a:lnRef idx="1">
-            <a:schemeClr val="accent1"/>
-          </a:lnRef>
-          <a:fillRef idx="0">
-            <a:schemeClr val="accent1"/>
-          </a:fillRef>
-          <a:effectRef idx="0">
-            <a:schemeClr val="accent1"/>
-          </a:effectRef>
-          <a:fontRef idx="minor">
-            <a:schemeClr val="tx1"/>
-          </a:fontRef>
-        </p:style>
-      </p:cxnSp>
-      <p:sp>
-        <p:nvSpPr>
-          <p:cNvPr id="53" name="Arc 52"/>
-          <p:cNvSpPr/>
-          <p:nvPr/>
-        </p:nvSpPr>
-        <p:spPr>
-          <a:xfrm rot="8089333" flipH="1">
-            <a:off x="6198089" y="3304844"/>
-            <a:ext cx="264114" cy="313745"/>
-          </a:xfrm>
-          <a:prstGeom prst="arc">
-            <a:avLst/>
-          </a:prstGeom>
-          <a:ln>
-            <a:solidFill>
-              <a:schemeClr val="bg1">
-                <a:lumMod val="95000"/>
-              </a:schemeClr>
-            </a:solidFill>
-          </a:ln>
-        </p:spPr>
-        <p:style>
-          <a:lnRef idx="1">
-            <a:schemeClr val="accent1"/>
-          </a:lnRef>
-          <a:fillRef idx="0">
-            <a:schemeClr val="accent1"/>
-          </a:fillRef>
-          <a:effectRef idx="0">
-            <a:schemeClr val="accent1"/>
-          </a:effectRef>
-          <a:fontRef idx="minor">
-            <a:schemeClr val="tx1"/>
-          </a:fontRef>
-        </p:style>
-        <p:txBody>
-          <a:bodyPr rtlCol="0" anchor="ctr"/>
-          <a:lstStyle/>
-          <a:p>
-            <a:pPr algn="ctr"/>
-            <a:endParaRPr lang="en-US"/>
-          </a:p>
-        </p:txBody>
-      </p:sp>
-      <p:sp>
-        <p:nvSpPr>
-          <p:cNvPr id="55" name="TextBox 54"/>
-          <p:cNvSpPr txBox="1"/>
-          <p:nvPr/>
-        </p:nvSpPr>
-        <p:spPr>
-          <a:xfrm>
-            <a:off x="6423571" y="3272252"/>
-            <a:ext cx="336952" cy="369332"/>
-          </a:xfrm>
-          <a:prstGeom prst="rect">
-            <a:avLst/>
-          </a:prstGeom>
-          <a:noFill/>
-        </p:spPr>
-        <p:txBody>
-          <a:bodyPr wrap="none" rtlCol="0">
-            <a:spAutoFit/>
-          </a:bodyPr>
-          <a:lstStyle/>
-          <a:p>
-            <a:r>
-              <a:rPr lang="el-GR" dirty="0" smtClean="0">
+            </a:lnRef>
+            <a:fillRef idx="1">
+              <a:schemeClr val="accent1"/>
+            </a:fillRef>
+            <a:effectRef idx="0">
+              <a:schemeClr val="accent1"/>
+            </a:effectRef>
+            <a:fontRef idx="minor">
+              <a:schemeClr val="lt1"/>
+            </a:fontRef>
+          </p:style>
+          <p:txBody>
+            <a:bodyPr rtlCol="0" anchor="ctr"/>
+            <a:lstStyle/>
+            <a:p>
+              <a:pPr algn="ctr"/>
+              <a:endParaRPr lang="en-US"/>
+            </a:p>
+          </p:txBody>
+        </p:sp>
+        <p:sp>
+          <p:nvSpPr>
+            <p:cNvPr id="45" name="TextBox 44"/>
+            <p:cNvSpPr txBox="1"/>
+            <p:nvPr/>
+          </p:nvSpPr>
+          <p:spPr>
+            <a:xfrm>
+              <a:off x="4599817" y="1669093"/>
+              <a:ext cx="288862" cy="369332"/>
+            </a:xfrm>
+            <a:prstGeom prst="rect">
+              <a:avLst/>
+            </a:prstGeom>
+            <a:noFill/>
+          </p:spPr>
+          <p:txBody>
+            <a:bodyPr wrap="none" rtlCol="0">
+              <a:spAutoFit/>
+            </a:bodyPr>
+            <a:lstStyle/>
+            <a:p>
+              <a:r>
+                <a:rPr lang="en-US" dirty="0" smtClean="0"/>
+                <a:t>k</a:t>
+              </a:r>
+              <a:endParaRPr lang="en-US" dirty="0"/>
+            </a:p>
+          </p:txBody>
+        </p:sp>
+        <p:sp>
+          <p:nvSpPr>
+            <p:cNvPr id="46" name="TextBox 45"/>
+            <p:cNvSpPr txBox="1"/>
+            <p:nvPr/>
+          </p:nvSpPr>
+          <p:spPr>
+            <a:xfrm>
+              <a:off x="7353300" y="1669094"/>
+              <a:ext cx="346570" cy="369332"/>
+            </a:xfrm>
+            <a:prstGeom prst="rect">
+              <a:avLst/>
+            </a:prstGeom>
+            <a:noFill/>
+          </p:spPr>
+          <p:txBody>
+            <a:bodyPr wrap="none" rtlCol="0">
+              <a:spAutoFit/>
+            </a:bodyPr>
+            <a:lstStyle/>
+            <a:p>
+              <a:r>
+                <a:rPr lang="en-US" dirty="0"/>
+                <a:t>k</a:t>
+              </a:r>
+              <a:r>
+                <a:rPr lang="en-US" dirty="0" smtClean="0"/>
+                <a:t>’</a:t>
+              </a:r>
+              <a:endParaRPr lang="en-US" dirty="0"/>
+            </a:p>
+          </p:txBody>
+        </p:sp>
+        <p:sp>
+          <p:nvSpPr>
+            <p:cNvPr id="47" name="TextBox 46"/>
+            <p:cNvSpPr txBox="1"/>
+            <p:nvPr/>
+          </p:nvSpPr>
+          <p:spPr>
+            <a:xfrm>
+              <a:off x="5997581" y="3387832"/>
+              <a:ext cx="336952" cy="369332"/>
+            </a:xfrm>
+            <a:prstGeom prst="rect">
+              <a:avLst/>
+            </a:prstGeom>
+            <a:noFill/>
+          </p:spPr>
+          <p:txBody>
+            <a:bodyPr wrap="none" rtlCol="0">
+              <a:spAutoFit/>
+            </a:bodyPr>
+            <a:lstStyle/>
+            <a:p>
+              <a:r>
+                <a:rPr lang="en-US" dirty="0" smtClean="0"/>
+                <a:t>O</a:t>
+              </a:r>
+              <a:endParaRPr lang="en-US" dirty="0"/>
+            </a:p>
+          </p:txBody>
+        </p:sp>
+        <p:cxnSp>
+          <p:nvCxnSpPr>
+            <p:cNvPr id="17" name="Straight Connector 16"/>
+            <p:cNvCxnSpPr/>
+            <p:nvPr/>
+          </p:nvCxnSpPr>
+          <p:spPr>
+            <a:xfrm flipV="1">
+              <a:off x="6150279" y="998483"/>
+              <a:ext cx="4149859" cy="1807348"/>
+            </a:xfrm>
+            <a:prstGeom prst="line">
+              <a:avLst/>
+            </a:prstGeom>
+            <a:ln w="28575">
+              <a:solidFill>
+                <a:srgbClr val="FF0000"/>
+              </a:solidFill>
+            </a:ln>
+          </p:spPr>
+          <p:style>
+            <a:lnRef idx="1">
+              <a:schemeClr val="accent1"/>
+            </a:lnRef>
+            <a:fillRef idx="0">
+              <a:schemeClr val="accent1"/>
+            </a:fillRef>
+            <a:effectRef idx="0">
+              <a:schemeClr val="accent1"/>
+            </a:effectRef>
+            <a:fontRef idx="minor">
+              <a:schemeClr val="tx1"/>
+            </a:fontRef>
+          </p:style>
+        </p:cxnSp>
+        <p:cxnSp>
+          <p:nvCxnSpPr>
+            <p:cNvPr id="14" name="Straight Connector 13"/>
+            <p:cNvCxnSpPr/>
+            <p:nvPr/>
+          </p:nvCxnSpPr>
+          <p:spPr>
+            <a:xfrm flipH="1" flipV="1">
+              <a:off x="2299063" y="1073325"/>
+              <a:ext cx="3857482" cy="1732506"/>
+            </a:xfrm>
+            <a:prstGeom prst="line">
+              <a:avLst/>
+            </a:prstGeom>
+            <a:ln w="28575">
+              <a:solidFill>
+                <a:srgbClr val="FF0000"/>
+              </a:solidFill>
+            </a:ln>
+          </p:spPr>
+          <p:style>
+            <a:lnRef idx="1">
+              <a:schemeClr val="accent1"/>
+            </a:lnRef>
+            <a:fillRef idx="0">
+              <a:schemeClr val="accent1"/>
+            </a:fillRef>
+            <a:effectRef idx="0">
+              <a:schemeClr val="accent1"/>
+            </a:effectRef>
+            <a:fontRef idx="minor">
+              <a:schemeClr val="tx1"/>
+            </a:fontRef>
+          </p:style>
+        </p:cxnSp>
+        <p:cxnSp>
+          <p:nvCxnSpPr>
+            <p:cNvPr id="6" name="Straight Connector 5"/>
+            <p:cNvCxnSpPr/>
+            <p:nvPr/>
+          </p:nvCxnSpPr>
+          <p:spPr>
+            <a:xfrm flipH="1" flipV="1">
+              <a:off x="2008926" y="1666713"/>
+              <a:ext cx="4152379" cy="1794353"/>
+            </a:xfrm>
+            <a:prstGeom prst="line">
+              <a:avLst/>
+            </a:prstGeom>
+            <a:ln w="28575">
+              <a:solidFill>
+                <a:srgbClr val="FF0000"/>
+              </a:solidFill>
+            </a:ln>
+          </p:spPr>
+          <p:style>
+            <a:lnRef idx="1">
+              <a:schemeClr val="accent1"/>
+            </a:lnRef>
+            <a:fillRef idx="0">
+              <a:schemeClr val="accent1"/>
+            </a:fillRef>
+            <a:effectRef idx="0">
+              <a:schemeClr val="accent1"/>
+            </a:effectRef>
+            <a:fontRef idx="minor">
+              <a:schemeClr val="tx1"/>
+            </a:fontRef>
+          </p:style>
+        </p:cxnSp>
+        <p:cxnSp>
+          <p:nvCxnSpPr>
+            <p:cNvPr id="9" name="Straight Connector 8"/>
+            <p:cNvCxnSpPr/>
+            <p:nvPr/>
+          </p:nvCxnSpPr>
+          <p:spPr>
+            <a:xfrm flipV="1">
+              <a:off x="6156543" y="1518781"/>
+              <a:ext cx="4427949" cy="1944667"/>
+            </a:xfrm>
+            <a:prstGeom prst="line">
+              <a:avLst/>
+            </a:prstGeom>
+            <a:ln w="28575">
+              <a:solidFill>
+                <a:srgbClr val="FF0000"/>
+              </a:solidFill>
+            </a:ln>
+          </p:spPr>
+          <p:style>
+            <a:lnRef idx="1">
+              <a:schemeClr val="accent1"/>
+            </a:lnRef>
+            <a:fillRef idx="0">
+              <a:schemeClr val="accent1"/>
+            </a:fillRef>
+            <a:effectRef idx="0">
+              <a:schemeClr val="accent1"/>
+            </a:effectRef>
+            <a:fontRef idx="minor">
+              <a:schemeClr val="tx1"/>
+            </a:fontRef>
+          </p:style>
+        </p:cxnSp>
+        <p:cxnSp>
+          <p:nvCxnSpPr>
+            <p:cNvPr id="51" name="Straight Connector 50"/>
+            <p:cNvCxnSpPr/>
+            <p:nvPr/>
+          </p:nvCxnSpPr>
+          <p:spPr>
+            <a:xfrm>
+              <a:off x="6012660" y="3397358"/>
+              <a:ext cx="1611856" cy="736041"/>
+            </a:xfrm>
+            <a:prstGeom prst="line">
+              <a:avLst/>
+            </a:prstGeom>
+            <a:ln w="19050">
+              <a:solidFill>
+                <a:srgbClr val="FF0000"/>
+              </a:solidFill>
+              <a:prstDash val="dash"/>
+            </a:ln>
+          </p:spPr>
+          <p:style>
+            <a:lnRef idx="1">
+              <a:schemeClr val="accent1"/>
+            </a:lnRef>
+            <a:fillRef idx="0">
+              <a:schemeClr val="accent1"/>
+            </a:fillRef>
+            <a:effectRef idx="0">
+              <a:schemeClr val="accent1"/>
+            </a:effectRef>
+            <a:fontRef idx="minor">
+              <a:schemeClr val="tx1"/>
+            </a:fontRef>
+          </p:style>
+        </p:cxnSp>
+        <p:sp>
+          <p:nvSpPr>
+            <p:cNvPr id="53" name="Arc 52"/>
+            <p:cNvSpPr/>
+            <p:nvPr/>
+          </p:nvSpPr>
+          <p:spPr>
+            <a:xfrm rot="8089333" flipH="1">
+              <a:off x="6198089" y="3304844"/>
+              <a:ext cx="264114" cy="313745"/>
+            </a:xfrm>
+            <a:prstGeom prst="arc">
+              <a:avLst/>
+            </a:prstGeom>
+            <a:ln>
+              <a:solidFill>
+                <a:schemeClr val="bg1">
+                  <a:lumMod val="95000"/>
+                </a:schemeClr>
+              </a:solidFill>
+            </a:ln>
+          </p:spPr>
+          <p:style>
+            <a:lnRef idx="1">
+              <a:schemeClr val="accent1"/>
+            </a:lnRef>
+            <a:fillRef idx="0">
+              <a:schemeClr val="accent1"/>
+            </a:fillRef>
+            <a:effectRef idx="0">
+              <a:schemeClr val="accent1"/>
+            </a:effectRef>
+            <a:fontRef idx="minor">
+              <a:schemeClr val="tx1"/>
+            </a:fontRef>
+          </p:style>
+          <p:txBody>
+            <a:bodyPr rtlCol="0" anchor="ctr"/>
+            <a:lstStyle/>
+            <a:p>
+              <a:pPr algn="ctr"/>
+              <a:endParaRPr lang="en-US"/>
+            </a:p>
+          </p:txBody>
+        </p:sp>
+        <p:sp>
+          <p:nvSpPr>
+            <p:cNvPr id="55" name="TextBox 54"/>
+            <p:cNvSpPr txBox="1"/>
+            <p:nvPr/>
+          </p:nvSpPr>
+          <p:spPr>
+            <a:xfrm>
+              <a:off x="6423571" y="3272252"/>
+              <a:ext cx="336952" cy="369332"/>
+            </a:xfrm>
+            <a:prstGeom prst="rect">
+              <a:avLst/>
+            </a:prstGeom>
+            <a:noFill/>
+          </p:spPr>
+          <p:txBody>
+            <a:bodyPr wrap="none" rtlCol="0">
+              <a:spAutoFit/>
+            </a:bodyPr>
+            <a:lstStyle/>
+            <a:p>
+              <a:r>
+                <a:rPr lang="el-GR" dirty="0" smtClean="0">
+                  <a:solidFill>
+                    <a:schemeClr val="bg1"/>
+                  </a:solidFill>
+                </a:rPr>
+                <a:t>Θ</a:t>
+              </a:r>
+              <a:endParaRPr lang="en-US" dirty="0">
                 <a:solidFill>
                   <a:schemeClr val="bg1"/>
                 </a:solidFill>
-              </a:rPr>
-              <a:t>Θ</a:t>
-            </a:r>
-            <a:endParaRPr lang="en-US" dirty="0">
+              </a:endParaRPr>
+            </a:p>
+          </p:txBody>
+        </p:sp>
+        <p:sp>
+          <p:nvSpPr>
+            <p:cNvPr id="56" name="TextBox 55"/>
+            <p:cNvSpPr txBox="1"/>
+            <p:nvPr/>
+          </p:nvSpPr>
+          <p:spPr>
+            <a:xfrm>
+              <a:off x="1847342" y="2435308"/>
+              <a:ext cx="1375248" cy="369332"/>
+            </a:xfrm>
+            <a:prstGeom prst="rect">
+              <a:avLst/>
+            </a:prstGeom>
+            <a:noFill/>
+          </p:spPr>
+          <p:txBody>
+            <a:bodyPr wrap="none" rtlCol="0">
+              <a:spAutoFit/>
+            </a:bodyPr>
+            <a:lstStyle/>
+            <a:p>
+              <a:r>
+                <a:rPr lang="en-US" dirty="0" smtClean="0"/>
+                <a:t>Incident rays</a:t>
+              </a:r>
+              <a:endParaRPr lang="en-US" dirty="0"/>
+            </a:p>
+          </p:txBody>
+        </p:sp>
+        <p:sp>
+          <p:nvSpPr>
+            <p:cNvPr id="57" name="TextBox 56"/>
+            <p:cNvSpPr txBox="1"/>
+            <p:nvPr/>
+          </p:nvSpPr>
+          <p:spPr>
+            <a:xfrm>
+              <a:off x="8575298" y="2512689"/>
+              <a:ext cx="1499193" cy="369332"/>
+            </a:xfrm>
+            <a:prstGeom prst="rect">
+              <a:avLst/>
+            </a:prstGeom>
+            <a:noFill/>
+          </p:spPr>
+          <p:txBody>
+            <a:bodyPr wrap="none" rtlCol="0">
+              <a:spAutoFit/>
+            </a:bodyPr>
+            <a:lstStyle/>
+            <a:p>
+              <a:r>
+                <a:rPr lang="en-US" dirty="0" smtClean="0"/>
+                <a:t>Scattered rays</a:t>
+              </a:r>
+              <a:endParaRPr lang="en-US" dirty="0"/>
+            </a:p>
+          </p:txBody>
+        </p:sp>
+        <p:cxnSp>
+          <p:nvCxnSpPr>
+            <p:cNvPr id="59" name="Straight Connector 58"/>
+            <p:cNvCxnSpPr/>
+            <p:nvPr/>
+          </p:nvCxnSpPr>
+          <p:spPr>
+            <a:xfrm>
+              <a:off x="5902862" y="3340274"/>
+              <a:ext cx="259813" cy="110157"/>
+            </a:xfrm>
+            <a:prstGeom prst="line">
+              <a:avLst/>
+            </a:prstGeom>
+            <a:ln w="12700">
               <a:solidFill>
-                <a:schemeClr val="bg1"/>
+                <a:schemeClr val="accent4">
+                  <a:lumMod val="60000"/>
+                  <a:lumOff val="40000"/>
+                </a:schemeClr>
               </a:solidFill>
-            </a:endParaRPr>
-          </a:p>
-        </p:txBody>
-      </p:sp>
-      <p:sp>
-        <p:nvSpPr>
-          <p:cNvPr id="56" name="TextBox 55"/>
-          <p:cNvSpPr txBox="1"/>
-          <p:nvPr/>
-        </p:nvSpPr>
-        <p:spPr>
-          <a:xfrm>
-            <a:off x="1847342" y="2435308"/>
-            <a:ext cx="1375248" cy="369332"/>
-          </a:xfrm>
-          <a:prstGeom prst="rect">
-            <a:avLst/>
-          </a:prstGeom>
-          <a:noFill/>
-        </p:spPr>
-        <p:txBody>
-          <a:bodyPr wrap="none" rtlCol="0">
-            <a:spAutoFit/>
-          </a:bodyPr>
-          <a:lstStyle/>
-          <a:p>
-            <a:r>
-              <a:rPr lang="en-US" dirty="0" smtClean="0"/>
-              <a:t>Incident rays</a:t>
-            </a:r>
-            <a:endParaRPr lang="en-US" dirty="0"/>
-          </a:p>
-        </p:txBody>
-      </p:sp>
-      <p:sp>
-        <p:nvSpPr>
-          <p:cNvPr id="57" name="TextBox 56"/>
-          <p:cNvSpPr txBox="1"/>
-          <p:nvPr/>
-        </p:nvSpPr>
-        <p:spPr>
-          <a:xfrm>
-            <a:off x="8575298" y="2512689"/>
-            <a:ext cx="1499193" cy="369332"/>
-          </a:xfrm>
-          <a:prstGeom prst="rect">
-            <a:avLst/>
-          </a:prstGeom>
-          <a:noFill/>
-        </p:spPr>
-        <p:txBody>
-          <a:bodyPr wrap="none" rtlCol="0">
-            <a:spAutoFit/>
-          </a:bodyPr>
-          <a:lstStyle/>
-          <a:p>
-            <a:r>
-              <a:rPr lang="en-US" dirty="0" smtClean="0"/>
-              <a:t>Scattered rays</a:t>
-            </a:r>
-            <a:endParaRPr lang="en-US" dirty="0"/>
-          </a:p>
-        </p:txBody>
-      </p:sp>
-      <p:cxnSp>
-        <p:nvCxnSpPr>
-          <p:cNvPr id="59" name="Straight Connector 58"/>
-          <p:cNvCxnSpPr/>
-          <p:nvPr/>
-        </p:nvCxnSpPr>
-        <p:spPr>
-          <a:xfrm>
-            <a:off x="5902862" y="3340274"/>
-            <a:ext cx="259813" cy="110157"/>
-          </a:xfrm>
-          <a:prstGeom prst="line">
-            <a:avLst/>
-          </a:prstGeom>
-          <a:ln w="12700">
-            <a:solidFill>
-              <a:schemeClr val="accent4">
-                <a:lumMod val="60000"/>
-                <a:lumOff val="40000"/>
-              </a:schemeClr>
-            </a:solidFill>
-          </a:ln>
-        </p:spPr>
-        <p:style>
-          <a:lnRef idx="1">
-            <a:schemeClr val="accent1"/>
-          </a:lnRef>
-          <a:fillRef idx="0">
-            <a:schemeClr val="accent1"/>
-          </a:fillRef>
-          <a:effectRef idx="0">
-            <a:schemeClr val="accent1"/>
-          </a:effectRef>
-          <a:fontRef idx="minor">
-            <a:schemeClr val="tx1"/>
-          </a:fontRef>
-        </p:style>
-      </p:cxnSp>
-      <p:cxnSp>
-        <p:nvCxnSpPr>
-          <p:cNvPr id="68" name="Straight Connector 67"/>
-          <p:cNvCxnSpPr/>
-          <p:nvPr/>
-        </p:nvCxnSpPr>
-        <p:spPr>
-          <a:xfrm flipV="1">
-            <a:off x="6160269" y="3338979"/>
-            <a:ext cx="256311" cy="112657"/>
-          </a:xfrm>
-          <a:prstGeom prst="line">
-            <a:avLst/>
-          </a:prstGeom>
-          <a:ln w="12700">
-            <a:solidFill>
-              <a:schemeClr val="accent4">
-                <a:lumMod val="60000"/>
-                <a:lumOff val="40000"/>
-              </a:schemeClr>
-            </a:solidFill>
-          </a:ln>
-        </p:spPr>
-        <p:style>
-          <a:lnRef idx="1">
-            <a:schemeClr val="accent1"/>
-          </a:lnRef>
-          <a:fillRef idx="0">
-            <a:schemeClr val="accent1"/>
-          </a:fillRef>
-          <a:effectRef idx="0">
-            <a:schemeClr val="accent1"/>
-          </a:effectRef>
-          <a:fontRef idx="minor">
-            <a:schemeClr val="tx1"/>
-          </a:fontRef>
-        </p:style>
-      </p:cxnSp>
-      <p:sp>
-        <p:nvSpPr>
-          <p:cNvPr id="70" name="TextBox 69"/>
-          <p:cNvSpPr txBox="1"/>
-          <p:nvPr/>
-        </p:nvSpPr>
-        <p:spPr>
-          <a:xfrm rot="1343422">
-            <a:off x="5797777" y="3323971"/>
-            <a:ext cx="304892" cy="369332"/>
-          </a:xfrm>
-          <a:prstGeom prst="rect">
-            <a:avLst/>
-          </a:prstGeom>
-          <a:noFill/>
-        </p:spPr>
-        <p:txBody>
-          <a:bodyPr wrap="none" rtlCol="0">
-            <a:spAutoFit/>
-          </a:bodyPr>
-          <a:lstStyle/>
-          <a:p>
-            <a:r>
-              <a:rPr lang="el-GR" dirty="0" smtClean="0">
+            </a:ln>
+          </p:spPr>
+          <p:style>
+            <a:lnRef idx="1">
+              <a:schemeClr val="accent1"/>
+            </a:lnRef>
+            <a:fillRef idx="0">
+              <a:schemeClr val="accent1"/>
+            </a:fillRef>
+            <a:effectRef idx="0">
+              <a:schemeClr val="accent1"/>
+            </a:effectRef>
+            <a:fontRef idx="minor">
+              <a:schemeClr val="tx1"/>
+            </a:fontRef>
+          </p:style>
+        </p:cxnSp>
+        <p:sp>
+          <p:nvSpPr>
+            <p:cNvPr id="70" name="TextBox 69"/>
+            <p:cNvSpPr txBox="1"/>
+            <p:nvPr/>
+          </p:nvSpPr>
+          <p:spPr>
+            <a:xfrm rot="1343422">
+              <a:off x="5797777" y="3323971"/>
+              <a:ext cx="304892" cy="369332"/>
+            </a:xfrm>
+            <a:prstGeom prst="rect">
+              <a:avLst/>
+            </a:prstGeom>
+            <a:noFill/>
+          </p:spPr>
+          <p:txBody>
+            <a:bodyPr wrap="none" rtlCol="0">
+              <a:spAutoFit/>
+            </a:bodyPr>
+            <a:lstStyle/>
+            <a:p>
+              <a:r>
+                <a:rPr lang="el-GR" dirty="0" smtClean="0">
+                  <a:solidFill>
+                    <a:schemeClr val="accent4">
+                      <a:lumMod val="60000"/>
+                      <a:lumOff val="40000"/>
+                    </a:schemeClr>
+                  </a:solidFill>
+                </a:rPr>
+                <a:t>δ</a:t>
+              </a:r>
+              <a:endParaRPr lang="en-US" dirty="0">
                 <a:solidFill>
                   <a:schemeClr val="accent4">
                     <a:lumMod val="60000"/>
                     <a:lumOff val="40000"/>
                   </a:schemeClr>
                 </a:solidFill>
-              </a:rPr>
-              <a:t>δ</a:t>
-            </a:r>
-            <a:endParaRPr lang="en-US" dirty="0">
+              </a:endParaRPr>
+            </a:p>
+          </p:txBody>
+        </p:sp>
+        <p:cxnSp>
+          <p:nvCxnSpPr>
+            <p:cNvPr id="20" name="Straight Connector 19"/>
+            <p:cNvCxnSpPr/>
+            <p:nvPr/>
+          </p:nvCxnSpPr>
+          <p:spPr>
+            <a:xfrm>
+              <a:off x="6153619" y="2804640"/>
+              <a:ext cx="9188" cy="658807"/>
+            </a:xfrm>
+            <a:prstGeom prst="line">
+              <a:avLst/>
+            </a:prstGeom>
+            <a:ln w="12700">
+              <a:solidFill>
+                <a:schemeClr val="tx1"/>
+              </a:solidFill>
+              <a:headEnd type="triangle" w="med" len="med"/>
+              <a:tailEnd type="oval" w="sm" len="sm"/>
+            </a:ln>
+          </p:spPr>
+          <p:style>
+            <a:lnRef idx="1">
+              <a:schemeClr val="accent1"/>
+            </a:lnRef>
+            <a:fillRef idx="0">
+              <a:schemeClr val="accent1"/>
+            </a:fillRef>
+            <a:effectRef idx="0">
+              <a:schemeClr val="accent1"/>
+            </a:effectRef>
+            <a:fontRef idx="minor">
+              <a:schemeClr val="tx1"/>
+            </a:fontRef>
+          </p:style>
+        </p:cxnSp>
+        <p:cxnSp>
+          <p:nvCxnSpPr>
+            <p:cNvPr id="68" name="Straight Connector 67"/>
+            <p:cNvCxnSpPr/>
+            <p:nvPr/>
+          </p:nvCxnSpPr>
+          <p:spPr>
+            <a:xfrm flipV="1">
+              <a:off x="6160269" y="3338979"/>
+              <a:ext cx="256311" cy="112657"/>
+            </a:xfrm>
+            <a:prstGeom prst="line">
+              <a:avLst/>
+            </a:prstGeom>
+            <a:ln w="12700">
               <a:solidFill>
                 <a:schemeClr val="accent4">
                   <a:lumMod val="60000"/>
                   <a:lumOff val="40000"/>
                 </a:schemeClr>
               </a:solidFill>
-            </a:endParaRPr>
-          </a:p>
-        </p:txBody>
-      </p:sp>
-      <p:cxnSp>
-        <p:nvCxnSpPr>
-          <p:cNvPr id="20" name="Straight Connector 19"/>
-          <p:cNvCxnSpPr/>
-          <p:nvPr/>
-        </p:nvCxnSpPr>
-        <p:spPr>
-          <a:xfrm>
-            <a:off x="6153619" y="2804640"/>
-            <a:ext cx="9188" cy="658807"/>
-          </a:xfrm>
-          <a:prstGeom prst="line">
-            <a:avLst/>
-          </a:prstGeom>
-          <a:ln w="12700">
-            <a:solidFill>
+            </a:ln>
+          </p:spPr>
+          <p:style>
+            <a:lnRef idx="1">
+              <a:schemeClr val="accent1"/>
+            </a:lnRef>
+            <a:fillRef idx="0">
+              <a:schemeClr val="accent1"/>
+            </a:fillRef>
+            <a:effectRef idx="0">
+              <a:schemeClr val="accent1"/>
+            </a:effectRef>
+            <a:fontRef idx="minor">
               <a:schemeClr val="tx1"/>
-            </a:solidFill>
-            <a:headEnd type="triangle" w="med" len="med"/>
-            <a:tailEnd type="oval" w="sm" len="sm"/>
-          </a:ln>
-        </p:spPr>
-        <p:style>
-          <a:lnRef idx="1">
-            <a:schemeClr val="accent1"/>
-          </a:lnRef>
-          <a:fillRef idx="0">
-            <a:schemeClr val="accent1"/>
-          </a:fillRef>
-          <a:effectRef idx="0">
-            <a:schemeClr val="accent1"/>
-          </a:effectRef>
-          <a:fontRef idx="minor">
-            <a:schemeClr val="tx1"/>
-          </a:fontRef>
-        </p:style>
-      </p:cxnSp>
+            </a:fontRef>
+          </p:style>
+        </p:cxnSp>
+      </p:grpSp>
     </p:spTree>
     <p:extLst>
       <p:ext uri="{BB962C8B-B14F-4D97-AF65-F5344CB8AC3E}">

--- a/images/X-ray-scattering.pptx
+++ b/images/X-ray-scattering.pptx
@@ -243,7 +243,7 @@
           <a:p>
             <a:fld id="{3A4A5F7E-0702-4567-951A-9B1AB387607A}" type="datetimeFigureOut">
               <a:rPr lang="en-US" smtClean="0"/>
-              <a:t>1/12/17</a:t>
+              <a:t>1/22/17</a:t>
             </a:fld>
             <a:endParaRPr lang="en-US"/>
           </a:p>
@@ -413,7 +413,7 @@
           <a:p>
             <a:fld id="{3A4A5F7E-0702-4567-951A-9B1AB387607A}" type="datetimeFigureOut">
               <a:rPr lang="en-US" smtClean="0"/>
-              <a:t>1/12/17</a:t>
+              <a:t>1/22/17</a:t>
             </a:fld>
             <a:endParaRPr lang="en-US"/>
           </a:p>
@@ -593,7 +593,7 @@
           <a:p>
             <a:fld id="{3A4A5F7E-0702-4567-951A-9B1AB387607A}" type="datetimeFigureOut">
               <a:rPr lang="en-US" smtClean="0"/>
-              <a:t>1/12/17</a:t>
+              <a:t>1/22/17</a:t>
             </a:fld>
             <a:endParaRPr lang="en-US"/>
           </a:p>
@@ -763,7 +763,7 @@
           <a:p>
             <a:fld id="{3A4A5F7E-0702-4567-951A-9B1AB387607A}" type="datetimeFigureOut">
               <a:rPr lang="en-US" smtClean="0"/>
-              <a:t>1/12/17</a:t>
+              <a:t>1/22/17</a:t>
             </a:fld>
             <a:endParaRPr lang="en-US"/>
           </a:p>
@@ -1009,7 +1009,7 @@
           <a:p>
             <a:fld id="{3A4A5F7E-0702-4567-951A-9B1AB387607A}" type="datetimeFigureOut">
               <a:rPr lang="en-US" smtClean="0"/>
-              <a:t>1/12/17</a:t>
+              <a:t>1/22/17</a:t>
             </a:fld>
             <a:endParaRPr lang="en-US"/>
           </a:p>
@@ -1241,7 +1241,7 @@
           <a:p>
             <a:fld id="{3A4A5F7E-0702-4567-951A-9B1AB387607A}" type="datetimeFigureOut">
               <a:rPr lang="en-US" smtClean="0"/>
-              <a:t>1/12/17</a:t>
+              <a:t>1/22/17</a:t>
             </a:fld>
             <a:endParaRPr lang="en-US"/>
           </a:p>
@@ -1608,7 +1608,7 @@
           <a:p>
             <a:fld id="{3A4A5F7E-0702-4567-951A-9B1AB387607A}" type="datetimeFigureOut">
               <a:rPr lang="en-US" smtClean="0"/>
-              <a:t>1/12/17</a:t>
+              <a:t>1/22/17</a:t>
             </a:fld>
             <a:endParaRPr lang="en-US"/>
           </a:p>
@@ -1726,7 +1726,7 @@
           <a:p>
             <a:fld id="{3A4A5F7E-0702-4567-951A-9B1AB387607A}" type="datetimeFigureOut">
               <a:rPr lang="en-US" smtClean="0"/>
-              <a:t>1/12/17</a:t>
+              <a:t>1/22/17</a:t>
             </a:fld>
             <a:endParaRPr lang="en-US"/>
           </a:p>
@@ -1821,7 +1821,7 @@
           <a:p>
             <a:fld id="{3A4A5F7E-0702-4567-951A-9B1AB387607A}" type="datetimeFigureOut">
               <a:rPr lang="en-US" smtClean="0"/>
-              <a:t>1/12/17</a:t>
+              <a:t>1/22/17</a:t>
             </a:fld>
             <a:endParaRPr lang="en-US"/>
           </a:p>
@@ -2098,7 +2098,7 @@
           <a:p>
             <a:fld id="{3A4A5F7E-0702-4567-951A-9B1AB387607A}" type="datetimeFigureOut">
               <a:rPr lang="en-US" smtClean="0"/>
-              <a:t>1/12/17</a:t>
+              <a:t>1/22/17</a:t>
             </a:fld>
             <a:endParaRPr lang="en-US"/>
           </a:p>
@@ -2351,7 +2351,7 @@
           <a:p>
             <a:fld id="{3A4A5F7E-0702-4567-951A-9B1AB387607A}" type="datetimeFigureOut">
               <a:rPr lang="en-US" smtClean="0"/>
-              <a:t>1/12/17</a:t>
+              <a:t>1/22/17</a:t>
             </a:fld>
             <a:endParaRPr lang="en-US"/>
           </a:p>
@@ -2564,7 +2564,7 @@
           <a:p>
             <a:fld id="{3A4A5F7E-0702-4567-951A-9B1AB387607A}" type="datetimeFigureOut">
               <a:rPr lang="en-US" smtClean="0"/>
-              <a:t>1/12/17</a:t>
+              <a:t>1/22/17</a:t>
             </a:fld>
             <a:endParaRPr lang="en-US"/>
           </a:p>
@@ -2971,109 +2971,1262 @@
       </p:grpSpPr>
       <p:grpSp>
         <p:nvGrpSpPr>
-          <p:cNvPr id="3" name="Group 2"/>
+          <p:cNvPr id="42" name="Group 41"/>
           <p:cNvGrpSpPr/>
           <p:nvPr/>
         </p:nvGrpSpPr>
         <p:grpSpPr>
           <a:xfrm>
-            <a:off x="1847342" y="998483"/>
-            <a:ext cx="8737150" cy="3435731"/>
-            <a:chOff x="1847342" y="998483"/>
-            <a:chExt cx="8737150" cy="3435731"/>
+            <a:off x="3860470" y="1917963"/>
+            <a:ext cx="5187336" cy="2642110"/>
+            <a:chOff x="3860470" y="1917963"/>
+            <a:chExt cx="5187336" cy="2642110"/>
           </a:xfrm>
         </p:grpSpPr>
-        <p:sp>
-          <p:nvSpPr>
-            <p:cNvPr id="4" name="Oval 3"/>
-            <p:cNvSpPr/>
+        <p:grpSp>
+          <p:nvGrpSpPr>
+            <p:cNvPr id="5" name="Group 4"/>
+            <p:cNvGrpSpPr/>
             <p:nvPr/>
-          </p:nvSpPr>
-          <p:spPr>
+          </p:nvGrpSpPr>
+          <p:grpSpPr>
             <a:xfrm>
-              <a:off x="5148198" y="2417524"/>
-              <a:ext cx="2016690" cy="2016690"/>
+              <a:off x="3860470" y="1917963"/>
+              <a:ext cx="4776888" cy="2642110"/>
+              <a:chOff x="3860470" y="1917963"/>
+              <a:chExt cx="4776888" cy="2642110"/>
             </a:xfrm>
-            <a:prstGeom prst="ellipse">
-              <a:avLst/>
-            </a:prstGeom>
-          </p:spPr>
-          <p:style>
-            <a:lnRef idx="2">
-              <a:schemeClr val="accent1">
-                <a:shade val="50000"/>
-              </a:schemeClr>
-            </a:lnRef>
-            <a:fillRef idx="1">
-              <a:schemeClr val="accent1"/>
-            </a:fillRef>
-            <a:effectRef idx="0">
-              <a:schemeClr val="accent1"/>
-            </a:effectRef>
-            <a:fontRef idx="minor">
-              <a:schemeClr val="lt1"/>
-            </a:fontRef>
-          </p:style>
-          <p:txBody>
-            <a:bodyPr rtlCol="0" anchor="ctr"/>
-            <a:lstStyle/>
-            <a:p>
-              <a:pPr algn="ctr"/>
-              <a:endParaRPr lang="en-US" dirty="0"/>
-            </a:p>
-          </p:txBody>
-        </p:sp>
+          </p:grpSpPr>
+          <p:grpSp>
+            <p:nvGrpSpPr>
+              <p:cNvPr id="3" name="Group 2"/>
+              <p:cNvGrpSpPr/>
+              <p:nvPr/>
+            </p:nvGrpSpPr>
+            <p:grpSpPr>
+              <a:xfrm>
+                <a:off x="3860470" y="1917963"/>
+                <a:ext cx="4776888" cy="2642110"/>
+                <a:chOff x="3911177" y="1821585"/>
+                <a:chExt cx="4776888" cy="2642110"/>
+              </a:xfrm>
+            </p:grpSpPr>
+            <p:sp>
+              <p:nvSpPr>
+                <p:cNvPr id="4" name="Oval 3"/>
+                <p:cNvSpPr/>
+                <p:nvPr/>
+              </p:nvSpPr>
+              <p:spPr>
+                <a:xfrm>
+                  <a:off x="5148198" y="2417524"/>
+                  <a:ext cx="2016690" cy="2016690"/>
+                </a:xfrm>
+                <a:prstGeom prst="ellipse">
+                  <a:avLst/>
+                </a:prstGeom>
+              </p:spPr>
+              <p:style>
+                <a:lnRef idx="2">
+                  <a:schemeClr val="accent1">
+                    <a:shade val="50000"/>
+                  </a:schemeClr>
+                </a:lnRef>
+                <a:fillRef idx="1">
+                  <a:schemeClr val="accent1"/>
+                </a:fillRef>
+                <a:effectRef idx="0">
+                  <a:schemeClr val="accent1"/>
+                </a:effectRef>
+                <a:fontRef idx="minor">
+                  <a:schemeClr val="lt1"/>
+                </a:fontRef>
+              </p:style>
+              <p:txBody>
+                <a:bodyPr rtlCol="0" anchor="ctr"/>
+                <a:lstStyle/>
+                <a:p>
+                  <a:pPr algn="ctr"/>
+                  <a:endParaRPr lang="en-US" dirty="0"/>
+                </a:p>
+              </p:txBody>
+            </p:sp>
+            <p:cxnSp>
+              <p:nvCxnSpPr>
+                <p:cNvPr id="12" name="Straight Connector 11"/>
+                <p:cNvCxnSpPr/>
+                <p:nvPr/>
+              </p:nvCxnSpPr>
+              <p:spPr>
+                <a:xfrm flipH="1">
+                  <a:off x="6150279" y="2805830"/>
+                  <a:ext cx="6264" cy="0"/>
+                </a:xfrm>
+                <a:prstGeom prst="line">
+                  <a:avLst/>
+                </a:prstGeom>
+              </p:spPr>
+              <p:style>
+                <a:lnRef idx="1">
+                  <a:schemeClr val="accent1"/>
+                </a:lnRef>
+                <a:fillRef idx="0">
+                  <a:schemeClr val="accent1"/>
+                </a:fillRef>
+                <a:effectRef idx="0">
+                  <a:schemeClr val="accent1"/>
+                </a:effectRef>
+                <a:fontRef idx="minor">
+                  <a:schemeClr val="tx1"/>
+                </a:fontRef>
+              </p:style>
+            </p:cxnSp>
+            <p:cxnSp>
+              <p:nvCxnSpPr>
+                <p:cNvPr id="23" name="Straight Connector 22"/>
+                <p:cNvCxnSpPr/>
+                <p:nvPr/>
+              </p:nvCxnSpPr>
+              <p:spPr>
+                <a:xfrm>
+                  <a:off x="6145517" y="2805830"/>
+                  <a:ext cx="276715" cy="534444"/>
+                </a:xfrm>
+                <a:prstGeom prst="line">
+                  <a:avLst/>
+                </a:prstGeom>
+                <a:ln w="12700">
+                  <a:solidFill>
+                    <a:schemeClr val="bg1">
+                      <a:lumMod val="95000"/>
+                    </a:schemeClr>
+                  </a:solidFill>
+                  <a:prstDash val="sysDash"/>
+                </a:ln>
+              </p:spPr>
+              <p:style>
+                <a:lnRef idx="1">
+                  <a:schemeClr val="accent1"/>
+                </a:lnRef>
+                <a:fillRef idx="0">
+                  <a:schemeClr val="accent1"/>
+                </a:fillRef>
+                <a:effectRef idx="0">
+                  <a:schemeClr val="accent1"/>
+                </a:effectRef>
+                <a:fontRef idx="minor">
+                  <a:schemeClr val="tx1"/>
+                </a:fontRef>
+              </p:style>
+            </p:cxnSp>
+            <p:cxnSp>
+              <p:nvCxnSpPr>
+                <p:cNvPr id="25" name="Straight Connector 24"/>
+                <p:cNvCxnSpPr/>
+                <p:nvPr/>
+              </p:nvCxnSpPr>
+              <p:spPr>
+                <a:xfrm flipH="1">
+                  <a:off x="5904201" y="2805830"/>
+                  <a:ext cx="257983" cy="534444"/>
+                </a:xfrm>
+                <a:prstGeom prst="line">
+                  <a:avLst/>
+                </a:prstGeom>
+                <a:ln w="12700">
+                  <a:solidFill>
+                    <a:schemeClr val="bg1">
+                      <a:lumMod val="95000"/>
+                    </a:schemeClr>
+                  </a:solidFill>
+                  <a:prstDash val="sysDash"/>
+                </a:ln>
+              </p:spPr>
+              <p:style>
+                <a:lnRef idx="1">
+                  <a:schemeClr val="accent1"/>
+                </a:lnRef>
+                <a:fillRef idx="0">
+                  <a:schemeClr val="accent1"/>
+                </a:fillRef>
+                <a:effectRef idx="0">
+                  <a:schemeClr val="accent1"/>
+                </a:effectRef>
+                <a:fontRef idx="minor">
+                  <a:schemeClr val="tx1"/>
+                </a:fontRef>
+              </p:style>
+            </p:cxnSp>
+            <p:sp>
+              <p:nvSpPr>
+                <p:cNvPr id="28" name="Arc 27"/>
+                <p:cNvSpPr/>
+                <p:nvPr/>
+              </p:nvSpPr>
+              <p:spPr>
+                <a:xfrm rot="1299050">
+                  <a:off x="5752470" y="3166933"/>
+                  <a:ext cx="323666" cy="360971"/>
+                </a:xfrm>
+                <a:prstGeom prst="arc">
+                  <a:avLst/>
+                </a:prstGeom>
+                <a:ln>
+                  <a:solidFill>
+                    <a:schemeClr val="bg1">
+                      <a:lumMod val="95000"/>
+                    </a:schemeClr>
+                  </a:solidFill>
+                </a:ln>
+              </p:spPr>
+              <p:style>
+                <a:lnRef idx="1">
+                  <a:schemeClr val="accent1"/>
+                </a:lnRef>
+                <a:fillRef idx="0">
+                  <a:schemeClr val="accent1"/>
+                </a:fillRef>
+                <a:effectRef idx="0">
+                  <a:schemeClr val="accent1"/>
+                </a:effectRef>
+                <a:fontRef idx="minor">
+                  <a:schemeClr val="tx1"/>
+                </a:fontRef>
+              </p:style>
+              <p:txBody>
+                <a:bodyPr rtlCol="0" anchor="ctr"/>
+                <a:lstStyle/>
+                <a:p>
+                  <a:pPr algn="ctr"/>
+                  <a:endParaRPr lang="en-US"/>
+                </a:p>
+              </p:txBody>
+            </p:sp>
+            <p:sp>
+              <p:nvSpPr>
+                <p:cNvPr id="38" name="Arc 37"/>
+                <p:cNvSpPr/>
+                <p:nvPr/>
+              </p:nvSpPr>
+              <p:spPr>
+                <a:xfrm rot="19973593" flipH="1">
+                  <a:off x="6274141" y="3174092"/>
+                  <a:ext cx="264114" cy="313745"/>
+                </a:xfrm>
+                <a:prstGeom prst="arc">
+                  <a:avLst/>
+                </a:prstGeom>
+                <a:ln>
+                  <a:solidFill>
+                    <a:schemeClr val="bg1">
+                      <a:lumMod val="95000"/>
+                    </a:schemeClr>
+                  </a:solidFill>
+                </a:ln>
+              </p:spPr>
+              <p:style>
+                <a:lnRef idx="1">
+                  <a:schemeClr val="accent1"/>
+                </a:lnRef>
+                <a:fillRef idx="0">
+                  <a:schemeClr val="accent1"/>
+                </a:fillRef>
+                <a:effectRef idx="0">
+                  <a:schemeClr val="accent1"/>
+                </a:effectRef>
+                <a:fontRef idx="minor">
+                  <a:schemeClr val="tx1"/>
+                </a:fontRef>
+              </p:style>
+              <p:txBody>
+                <a:bodyPr rtlCol="0" anchor="ctr"/>
+                <a:lstStyle/>
+                <a:p>
+                  <a:pPr algn="ctr"/>
+                  <a:endParaRPr lang="en-US"/>
+                </a:p>
+              </p:txBody>
+            </p:sp>
+            <p:sp>
+              <p:nvSpPr>
+                <p:cNvPr id="39" name="Oval 38"/>
+                <p:cNvSpPr/>
+                <p:nvPr/>
+              </p:nvSpPr>
+              <p:spPr>
+                <a:xfrm>
+                  <a:off x="5966941" y="3281363"/>
+                  <a:ext cx="45719" cy="45719"/>
+                </a:xfrm>
+                <a:prstGeom prst="ellipse">
+                  <a:avLst/>
+                </a:prstGeom>
+                <a:solidFill>
+                  <a:schemeClr val="bg1"/>
+                </a:solidFill>
+                <a:ln>
+                  <a:solidFill>
+                    <a:schemeClr val="accent1"/>
+                  </a:solidFill>
+                </a:ln>
+              </p:spPr>
+              <p:style>
+                <a:lnRef idx="2">
+                  <a:schemeClr val="accent1">
+                    <a:shade val="50000"/>
+                  </a:schemeClr>
+                </a:lnRef>
+                <a:fillRef idx="1">
+                  <a:schemeClr val="accent1"/>
+                </a:fillRef>
+                <a:effectRef idx="0">
+                  <a:schemeClr val="accent1"/>
+                </a:effectRef>
+                <a:fontRef idx="minor">
+                  <a:schemeClr val="lt1"/>
+                </a:fontRef>
+              </p:style>
+              <p:txBody>
+                <a:bodyPr rtlCol="0" anchor="ctr"/>
+                <a:lstStyle/>
+                <a:p>
+                  <a:pPr algn="ctr"/>
+                  <a:endParaRPr lang="en-US"/>
+                </a:p>
+              </p:txBody>
+            </p:sp>
+            <p:sp>
+              <p:nvSpPr>
+                <p:cNvPr id="40" name="Oval 39"/>
+                <p:cNvSpPr/>
+                <p:nvPr/>
+              </p:nvSpPr>
+              <p:spPr>
+                <a:xfrm>
+                  <a:off x="6319364" y="3278972"/>
+                  <a:ext cx="45719" cy="45719"/>
+                </a:xfrm>
+                <a:prstGeom prst="ellipse">
+                  <a:avLst/>
+                </a:prstGeom>
+                <a:solidFill>
+                  <a:schemeClr val="bg1"/>
+                </a:solidFill>
+                <a:ln>
+                  <a:solidFill>
+                    <a:schemeClr val="accent1"/>
+                  </a:solidFill>
+                </a:ln>
+              </p:spPr>
+              <p:style>
+                <a:lnRef idx="2">
+                  <a:schemeClr val="accent1">
+                    <a:shade val="50000"/>
+                  </a:schemeClr>
+                </a:lnRef>
+                <a:fillRef idx="1">
+                  <a:schemeClr val="accent1"/>
+                </a:fillRef>
+                <a:effectRef idx="0">
+                  <a:schemeClr val="accent1"/>
+                </a:effectRef>
+                <a:fontRef idx="minor">
+                  <a:schemeClr val="lt1"/>
+                </a:fontRef>
+              </p:style>
+              <p:txBody>
+                <a:bodyPr rtlCol="0" anchor="ctr"/>
+                <a:lstStyle/>
+                <a:p>
+                  <a:pPr algn="ctr"/>
+                  <a:endParaRPr lang="en-US"/>
+                </a:p>
+              </p:txBody>
+            </p:sp>
+            <mc:AlternateContent xmlns:mc="http://schemas.openxmlformats.org/markup-compatibility/2006">
+              <mc:Choice xmlns:a14="http://schemas.microsoft.com/office/drawing/2010/main" Requires="a14">
+                <p:sp>
+                  <p:nvSpPr>
+                    <p:cNvPr id="45" name="TextBox 44"/>
+                    <p:cNvSpPr txBox="1"/>
+                    <p:nvPr/>
+                  </p:nvSpPr>
+                  <p:spPr>
+                    <a:xfrm>
+                      <a:off x="4599817" y="1839219"/>
+                      <a:ext cx="637354" cy="374974"/>
+                    </a:xfrm>
+                    <a:prstGeom prst="rect">
+                      <a:avLst/>
+                    </a:prstGeom>
+                    <a:noFill/>
+                  </p:spPr>
+                  <p:txBody>
+                    <a:bodyPr wrap="none" rtlCol="0">
+                      <a:spAutoFit/>
+                    </a:bodyPr>
+                    <a:lstStyle/>
+                    <a:p>
+                      <a14:m>
+                        <m:oMathPara xmlns:m="http://schemas.openxmlformats.org/officeDocument/2006/math">
+                          <m:oMathParaPr>
+                            <m:jc m:val="centerGroup"/>
+                          </m:oMathParaPr>
+                          <m:oMath xmlns:m="http://schemas.openxmlformats.org/officeDocument/2006/math">
+                            <m:acc>
+                              <m:accPr>
+                                <m:chr m:val="⃗"/>
+                                <m:ctrlPr>
+                                  <a:rPr lang="en-US" sz="1600" i="1" dirty="0" smtClean="0">
+                                    <a:latin typeface="Cambria Math" charset="0"/>
+                                  </a:rPr>
+                                </m:ctrlPr>
+                              </m:accPr>
+                              <m:e>
+                                <m:r>
+                                  <a:rPr lang="en-US" sz="1600" b="0" i="1" dirty="0" smtClean="0">
+                                    <a:latin typeface="Cambria Math" charset="0"/>
+                                  </a:rPr>
+                                  <m:t>𝑘</m:t>
+                                </m:r>
+                              </m:e>
+                            </m:acc>
+                            <m:r>
+                              <a:rPr lang="en-US" sz="1600" i="1" dirty="0">
+                                <a:latin typeface="Cambria Math" charset="0"/>
+                                <a:ea typeface="Cambria Math" charset="0"/>
+                                <a:cs typeface="Cambria Math" charset="0"/>
+                              </a:rPr>
+                              <m:t>∙</m:t>
+                            </m:r>
+                            <m:acc>
+                              <m:accPr>
+                                <m:chr m:val="⃗"/>
+                                <m:ctrlPr>
+                                  <a:rPr lang="en-US" sz="1600" i="1" dirty="0" smtClean="0">
+                                    <a:latin typeface="Cambria Math" charset="0"/>
+                                    <a:ea typeface="Cambria Math" charset="0"/>
+                                    <a:cs typeface="Cambria Math" charset="0"/>
+                                  </a:rPr>
+                                </m:ctrlPr>
+                              </m:accPr>
+                              <m:e>
+                                <m:r>
+                                  <a:rPr lang="en-US" sz="1600" b="0" i="1" dirty="0" smtClean="0">
+                                    <a:latin typeface="Cambria Math" charset="0"/>
+                                    <a:ea typeface="Cambria Math" charset="0"/>
+                                    <a:cs typeface="Cambria Math" charset="0"/>
+                                  </a:rPr>
+                                  <m:t>𝑅</m:t>
+                                </m:r>
+                              </m:e>
+                            </m:acc>
+                          </m:oMath>
+                        </m:oMathPara>
+                      </a14:m>
+                      <a:endParaRPr lang="en-US" sz="1600" dirty="0"/>
+                    </a:p>
+                  </p:txBody>
+                </p:sp>
+              </mc:Choice>
+              <mc:Fallback>
+                <p:sp>
+                  <p:nvSpPr>
+                    <p:cNvPr id="45" name="TextBox 44"/>
+                    <p:cNvSpPr txBox="1">
+                      <a:spLocks noRot="1" noChangeAspect="1" noMove="1" noResize="1" noEditPoints="1" noAdjustHandles="1" noChangeArrowheads="1" noChangeShapeType="1" noTextEdit="1"/>
+                    </p:cNvSpPr>
+                    <p:nvPr/>
+                  </p:nvSpPr>
+                  <p:spPr>
+                    <a:xfrm>
+                      <a:off x="4599817" y="1839219"/>
+                      <a:ext cx="637354" cy="374974"/>
+                    </a:xfrm>
+                    <a:prstGeom prst="rect">
+                      <a:avLst/>
+                    </a:prstGeom>
+                    <a:blipFill rotWithShape="0">
+                      <a:blip r:embed="rId2"/>
+                      <a:stretch>
+                        <a:fillRect/>
+                      </a:stretch>
+                    </a:blipFill>
+                  </p:spPr>
+                  <p:txBody>
+                    <a:bodyPr/>
+                    <a:lstStyle/>
+                    <a:p>
+                      <a:r>
+                        <a:rPr lang="en-US">
+                          <a:noFill/>
+                        </a:rPr>
+                        <a:t> </a:t>
+                      </a:r>
+                    </a:p>
+                  </p:txBody>
+                </p:sp>
+              </mc:Fallback>
+            </mc:AlternateContent>
+            <p:sp>
+              <p:nvSpPr>
+                <p:cNvPr id="47" name="TextBox 46"/>
+                <p:cNvSpPr txBox="1"/>
+                <p:nvPr/>
+              </p:nvSpPr>
+              <p:spPr>
+                <a:xfrm>
+                  <a:off x="6018847" y="3409098"/>
+                  <a:ext cx="320922" cy="338554"/>
+                </a:xfrm>
+                <a:prstGeom prst="rect">
+                  <a:avLst/>
+                </a:prstGeom>
+                <a:noFill/>
+              </p:spPr>
+              <p:txBody>
+                <a:bodyPr wrap="none" rtlCol="0">
+                  <a:spAutoFit/>
+                </a:bodyPr>
+                <a:lstStyle/>
+                <a:p>
+                  <a:r>
+                    <a:rPr lang="en-US" sz="1600" dirty="0" smtClean="0"/>
+                    <a:t>O</a:t>
+                  </a:r>
+                  <a:endParaRPr lang="en-US" sz="1600" dirty="0"/>
+                </a:p>
+              </p:txBody>
+            </p:sp>
+            <p:cxnSp>
+              <p:nvCxnSpPr>
+                <p:cNvPr id="17" name="Straight Connector 16"/>
+                <p:cNvCxnSpPr/>
+                <p:nvPr/>
+              </p:nvCxnSpPr>
+              <p:spPr>
+                <a:xfrm flipV="1">
+                  <a:off x="6150279" y="1821585"/>
+                  <a:ext cx="2425019" cy="984246"/>
+                </a:xfrm>
+                <a:prstGeom prst="line">
+                  <a:avLst/>
+                </a:prstGeom>
+                <a:ln w="28575">
+                  <a:solidFill>
+                    <a:srgbClr val="FF0000"/>
+                  </a:solidFill>
+                  <a:headEnd type="none"/>
+                  <a:tailEnd type="triangle"/>
+                </a:ln>
+              </p:spPr>
+              <p:style>
+                <a:lnRef idx="1">
+                  <a:schemeClr val="accent1"/>
+                </a:lnRef>
+                <a:fillRef idx="0">
+                  <a:schemeClr val="accent1"/>
+                </a:fillRef>
+                <a:effectRef idx="0">
+                  <a:schemeClr val="accent1"/>
+                </a:effectRef>
+                <a:fontRef idx="minor">
+                  <a:schemeClr val="tx1"/>
+                </a:fontRef>
+              </p:style>
+            </p:cxnSp>
+            <p:cxnSp>
+              <p:nvCxnSpPr>
+                <p:cNvPr id="14" name="Straight Connector 13"/>
+                <p:cNvCxnSpPr/>
+                <p:nvPr/>
+              </p:nvCxnSpPr>
+              <p:spPr>
+                <a:xfrm flipH="1" flipV="1">
+                  <a:off x="4029890" y="1937001"/>
+                  <a:ext cx="2126655" cy="868830"/>
+                </a:xfrm>
+                <a:prstGeom prst="line">
+                  <a:avLst/>
+                </a:prstGeom>
+                <a:ln w="28575">
+                  <a:solidFill>
+                    <a:srgbClr val="FF0000"/>
+                  </a:solidFill>
+                  <a:headEnd type="triangle"/>
+                  <a:tailEnd type="none"/>
+                </a:ln>
+              </p:spPr>
+              <p:style>
+                <a:lnRef idx="1">
+                  <a:schemeClr val="accent1"/>
+                </a:lnRef>
+                <a:fillRef idx="0">
+                  <a:schemeClr val="accent1"/>
+                </a:fillRef>
+                <a:effectRef idx="0">
+                  <a:schemeClr val="accent1"/>
+                </a:effectRef>
+                <a:fontRef idx="minor">
+                  <a:schemeClr val="tx1"/>
+                </a:fontRef>
+              </p:style>
+            </p:cxnSp>
+            <p:cxnSp>
+              <p:nvCxnSpPr>
+                <p:cNvPr id="6" name="Straight Connector 5"/>
+                <p:cNvCxnSpPr/>
+                <p:nvPr/>
+              </p:nvCxnSpPr>
+              <p:spPr>
+                <a:xfrm flipH="1" flipV="1">
+                  <a:off x="3911177" y="2590520"/>
+                  <a:ext cx="2250130" cy="870548"/>
+                </a:xfrm>
+                <a:prstGeom prst="line">
+                  <a:avLst/>
+                </a:prstGeom>
+                <a:ln w="28575">
+                  <a:solidFill>
+                    <a:srgbClr val="FF0000"/>
+                  </a:solidFill>
+                  <a:headEnd type="triangle"/>
+                </a:ln>
+              </p:spPr>
+              <p:style>
+                <a:lnRef idx="1">
+                  <a:schemeClr val="accent1"/>
+                </a:lnRef>
+                <a:fillRef idx="0">
+                  <a:schemeClr val="accent1"/>
+                </a:fillRef>
+                <a:effectRef idx="0">
+                  <a:schemeClr val="accent1"/>
+                </a:effectRef>
+                <a:fontRef idx="minor">
+                  <a:schemeClr val="tx1"/>
+                </a:fontRef>
+              </p:style>
+            </p:cxnSp>
+            <p:cxnSp>
+              <p:nvCxnSpPr>
+                <p:cNvPr id="9" name="Straight Connector 8"/>
+                <p:cNvCxnSpPr/>
+                <p:nvPr/>
+              </p:nvCxnSpPr>
+              <p:spPr>
+                <a:xfrm flipV="1">
+                  <a:off x="6156543" y="2455896"/>
+                  <a:ext cx="2498350" cy="1007555"/>
+                </a:xfrm>
+                <a:prstGeom prst="line">
+                  <a:avLst/>
+                </a:prstGeom>
+                <a:ln w="28575">
+                  <a:solidFill>
+                    <a:srgbClr val="FF0000"/>
+                  </a:solidFill>
+                  <a:tailEnd type="triangle"/>
+                </a:ln>
+              </p:spPr>
+              <p:style>
+                <a:lnRef idx="1">
+                  <a:schemeClr val="accent1"/>
+                </a:lnRef>
+                <a:fillRef idx="0">
+                  <a:schemeClr val="accent1"/>
+                </a:fillRef>
+                <a:effectRef idx="0">
+                  <a:schemeClr val="accent1"/>
+                </a:effectRef>
+                <a:fontRef idx="minor">
+                  <a:schemeClr val="tx1"/>
+                </a:fontRef>
+              </p:style>
+            </p:cxnSp>
+            <p:cxnSp>
+              <p:nvCxnSpPr>
+                <p:cNvPr id="51" name="Straight Connector 50"/>
+                <p:cNvCxnSpPr/>
+                <p:nvPr/>
+              </p:nvCxnSpPr>
+              <p:spPr>
+                <a:xfrm>
+                  <a:off x="6012660" y="3397358"/>
+                  <a:ext cx="2675405" cy="1066337"/>
+                </a:xfrm>
+                <a:prstGeom prst="line">
+                  <a:avLst/>
+                </a:prstGeom>
+                <a:ln w="19050">
+                  <a:solidFill>
+                    <a:schemeClr val="accent2"/>
+                  </a:solidFill>
+                  <a:prstDash val="dash"/>
+                </a:ln>
+              </p:spPr>
+              <p:style>
+                <a:lnRef idx="1">
+                  <a:schemeClr val="accent1"/>
+                </a:lnRef>
+                <a:fillRef idx="0">
+                  <a:schemeClr val="accent1"/>
+                </a:fillRef>
+                <a:effectRef idx="0">
+                  <a:schemeClr val="accent1"/>
+                </a:effectRef>
+                <a:fontRef idx="minor">
+                  <a:schemeClr val="tx1"/>
+                </a:fontRef>
+              </p:style>
+            </p:cxnSp>
+            <p:sp>
+              <p:nvSpPr>
+                <p:cNvPr id="53" name="Arc 52"/>
+                <p:cNvSpPr/>
+                <p:nvPr/>
+              </p:nvSpPr>
+              <p:spPr>
+                <a:xfrm rot="8089333" flipH="1">
+                  <a:off x="6198089" y="3304844"/>
+                  <a:ext cx="264114" cy="313745"/>
+                </a:xfrm>
+                <a:prstGeom prst="arc">
+                  <a:avLst/>
+                </a:prstGeom>
+                <a:ln>
+                  <a:solidFill>
+                    <a:schemeClr val="bg1">
+                      <a:lumMod val="95000"/>
+                    </a:schemeClr>
+                  </a:solidFill>
+                </a:ln>
+              </p:spPr>
+              <p:style>
+                <a:lnRef idx="1">
+                  <a:schemeClr val="accent1"/>
+                </a:lnRef>
+                <a:fillRef idx="0">
+                  <a:schemeClr val="accent1"/>
+                </a:fillRef>
+                <a:effectRef idx="0">
+                  <a:schemeClr val="accent1"/>
+                </a:effectRef>
+                <a:fontRef idx="minor">
+                  <a:schemeClr val="tx1"/>
+                </a:fontRef>
+              </p:style>
+              <p:txBody>
+                <a:bodyPr rtlCol="0" anchor="ctr"/>
+                <a:lstStyle/>
+                <a:p>
+                  <a:pPr algn="ctr"/>
+                  <a:endParaRPr lang="en-US"/>
+                </a:p>
+              </p:txBody>
+            </p:sp>
+            <p:sp>
+              <p:nvSpPr>
+                <p:cNvPr id="55" name="TextBox 54"/>
+                <p:cNvSpPr txBox="1"/>
+                <p:nvPr/>
+              </p:nvSpPr>
+              <p:spPr>
+                <a:xfrm>
+                  <a:off x="6423571" y="3272252"/>
+                  <a:ext cx="320922" cy="338554"/>
+                </a:xfrm>
+                <a:prstGeom prst="rect">
+                  <a:avLst/>
+                </a:prstGeom>
+                <a:noFill/>
+              </p:spPr>
+              <p:txBody>
+                <a:bodyPr wrap="none" rtlCol="0">
+                  <a:spAutoFit/>
+                </a:bodyPr>
+                <a:lstStyle/>
+                <a:p>
+                  <a:r>
+                    <a:rPr lang="el-GR" sz="1600" dirty="0" smtClean="0">
+                      <a:solidFill>
+                        <a:schemeClr val="bg1"/>
+                      </a:solidFill>
+                    </a:rPr>
+                    <a:t>Θ</a:t>
+                  </a:r>
+                  <a:endParaRPr lang="en-US" sz="1600" dirty="0">
+                    <a:solidFill>
+                      <a:schemeClr val="bg1"/>
+                    </a:solidFill>
+                  </a:endParaRPr>
+                </a:p>
+              </p:txBody>
+            </p:sp>
+            <p:sp>
+              <p:nvSpPr>
+                <p:cNvPr id="56" name="TextBox 55"/>
+                <p:cNvSpPr txBox="1"/>
+                <p:nvPr/>
+              </p:nvSpPr>
+              <p:spPr>
+                <a:xfrm>
+                  <a:off x="4241166" y="2451936"/>
+                  <a:ext cx="1112420" cy="307777"/>
+                </a:xfrm>
+                <a:prstGeom prst="rect">
+                  <a:avLst/>
+                </a:prstGeom>
+                <a:noFill/>
+              </p:spPr>
+              <p:txBody>
+                <a:bodyPr wrap="none" rtlCol="0">
+                  <a:spAutoFit/>
+                </a:bodyPr>
+                <a:lstStyle/>
+                <a:p>
+                  <a:r>
+                    <a:rPr lang="en-US" sz="1400" dirty="0" smtClean="0"/>
+                    <a:t>Incident rays</a:t>
+                  </a:r>
+                  <a:endParaRPr lang="en-US" sz="1400" dirty="0"/>
+                </a:p>
+              </p:txBody>
+            </p:sp>
+            <p:sp>
+              <p:nvSpPr>
+                <p:cNvPr id="57" name="TextBox 56"/>
+                <p:cNvSpPr txBox="1"/>
+                <p:nvPr/>
+              </p:nvSpPr>
+              <p:spPr>
+                <a:xfrm>
+                  <a:off x="6780860" y="2455895"/>
+                  <a:ext cx="1210203" cy="307777"/>
+                </a:xfrm>
+                <a:prstGeom prst="rect">
+                  <a:avLst/>
+                </a:prstGeom>
+                <a:noFill/>
+              </p:spPr>
+              <p:txBody>
+                <a:bodyPr wrap="none" rtlCol="0">
+                  <a:spAutoFit/>
+                </a:bodyPr>
+                <a:lstStyle/>
+                <a:p>
+                  <a:r>
+                    <a:rPr lang="en-US" sz="1400" dirty="0" smtClean="0"/>
+                    <a:t>Scattered rays</a:t>
+                  </a:r>
+                  <a:endParaRPr lang="en-US" sz="1400" dirty="0"/>
+                </a:p>
+              </p:txBody>
+            </p:sp>
+            <p:cxnSp>
+              <p:nvCxnSpPr>
+                <p:cNvPr id="59" name="Straight Connector 58"/>
+                <p:cNvCxnSpPr/>
+                <p:nvPr/>
+              </p:nvCxnSpPr>
+              <p:spPr>
+                <a:xfrm>
+                  <a:off x="5902862" y="3340274"/>
+                  <a:ext cx="259813" cy="110157"/>
+                </a:xfrm>
+                <a:prstGeom prst="line">
+                  <a:avLst/>
+                </a:prstGeom>
+                <a:ln w="31750">
+                  <a:solidFill>
+                    <a:schemeClr val="accent4">
+                      <a:lumMod val="60000"/>
+                      <a:lumOff val="40000"/>
+                    </a:schemeClr>
+                  </a:solidFill>
+                </a:ln>
+              </p:spPr>
+              <p:style>
+                <a:lnRef idx="1">
+                  <a:schemeClr val="accent1"/>
+                </a:lnRef>
+                <a:fillRef idx="0">
+                  <a:schemeClr val="accent1"/>
+                </a:fillRef>
+                <a:effectRef idx="0">
+                  <a:schemeClr val="accent1"/>
+                </a:effectRef>
+                <a:fontRef idx="minor">
+                  <a:schemeClr val="tx1"/>
+                </a:fontRef>
+              </p:style>
+            </p:cxnSp>
+            <p:sp>
+              <p:nvSpPr>
+                <p:cNvPr id="70" name="TextBox 69"/>
+                <p:cNvSpPr txBox="1"/>
+                <p:nvPr/>
+              </p:nvSpPr>
+              <p:spPr>
+                <a:xfrm rot="1343422">
+                  <a:off x="5762511" y="3415128"/>
+                  <a:ext cx="292068" cy="338554"/>
+                </a:xfrm>
+                <a:prstGeom prst="rect">
+                  <a:avLst/>
+                </a:prstGeom>
+                <a:noFill/>
+              </p:spPr>
+              <p:txBody>
+                <a:bodyPr wrap="none" rtlCol="0">
+                  <a:spAutoFit/>
+                </a:bodyPr>
+                <a:lstStyle/>
+                <a:p>
+                  <a:r>
+                    <a:rPr lang="el-GR" sz="1600" dirty="0" smtClean="0">
+                      <a:solidFill>
+                        <a:schemeClr val="accent4">
+                          <a:lumMod val="60000"/>
+                          <a:lumOff val="40000"/>
+                        </a:schemeClr>
+                      </a:solidFill>
+                    </a:rPr>
+                    <a:t>δ</a:t>
+                  </a:r>
+                  <a:endParaRPr lang="en-US" sz="1600" dirty="0">
+                    <a:solidFill>
+                      <a:schemeClr val="accent4">
+                        <a:lumMod val="60000"/>
+                        <a:lumOff val="40000"/>
+                      </a:schemeClr>
+                    </a:solidFill>
+                  </a:endParaRPr>
+                </a:p>
+              </p:txBody>
+            </p:sp>
+            <p:cxnSp>
+              <p:nvCxnSpPr>
+                <p:cNvPr id="20" name="Straight Connector 19"/>
+                <p:cNvCxnSpPr/>
+                <p:nvPr/>
+              </p:nvCxnSpPr>
+              <p:spPr>
+                <a:xfrm>
+                  <a:off x="6153619" y="2804640"/>
+                  <a:ext cx="9188" cy="658807"/>
+                </a:xfrm>
+                <a:prstGeom prst="line">
+                  <a:avLst/>
+                </a:prstGeom>
+                <a:ln w="12700">
+                  <a:solidFill>
+                    <a:schemeClr val="tx1"/>
+                  </a:solidFill>
+                  <a:headEnd type="triangle" w="med" len="med"/>
+                  <a:tailEnd type="oval" w="sm" len="sm"/>
+                </a:ln>
+              </p:spPr>
+              <p:style>
+                <a:lnRef idx="1">
+                  <a:schemeClr val="accent1"/>
+                </a:lnRef>
+                <a:fillRef idx="0">
+                  <a:schemeClr val="accent1"/>
+                </a:fillRef>
+                <a:effectRef idx="0">
+                  <a:schemeClr val="accent1"/>
+                </a:effectRef>
+                <a:fontRef idx="minor">
+                  <a:schemeClr val="tx1"/>
+                </a:fontRef>
+              </p:style>
+            </p:cxnSp>
+            <p:cxnSp>
+              <p:nvCxnSpPr>
+                <p:cNvPr id="68" name="Straight Connector 67"/>
+                <p:cNvCxnSpPr/>
+                <p:nvPr/>
+              </p:nvCxnSpPr>
+              <p:spPr>
+                <a:xfrm flipV="1">
+                  <a:off x="6160269" y="3338979"/>
+                  <a:ext cx="256311" cy="112657"/>
+                </a:xfrm>
+                <a:prstGeom prst="line">
+                  <a:avLst/>
+                </a:prstGeom>
+                <a:ln w="31750">
+                  <a:solidFill>
+                    <a:schemeClr val="accent4">
+                      <a:lumMod val="60000"/>
+                      <a:lumOff val="40000"/>
+                    </a:schemeClr>
+                  </a:solidFill>
+                </a:ln>
+              </p:spPr>
+              <p:style>
+                <a:lnRef idx="1">
+                  <a:schemeClr val="accent1"/>
+                </a:lnRef>
+                <a:fillRef idx="0">
+                  <a:schemeClr val="accent1"/>
+                </a:fillRef>
+                <a:effectRef idx="0">
+                  <a:schemeClr val="accent1"/>
+                </a:effectRef>
+                <a:fontRef idx="minor">
+                  <a:schemeClr val="tx1"/>
+                </a:fontRef>
+              </p:style>
+            </p:cxnSp>
+          </p:grpSp>
+          <mc:AlternateContent xmlns:mc="http://schemas.openxmlformats.org/markup-compatibility/2006">
+            <mc:Choice xmlns:a14="http://schemas.microsoft.com/office/drawing/2010/main" Requires="a14">
+              <p:sp>
+                <p:nvSpPr>
+                  <p:cNvPr id="2" name="TextBox 1"/>
+                  <p:cNvSpPr txBox="1"/>
+                  <p:nvPr/>
+                </p:nvSpPr>
+                <p:spPr>
+                  <a:xfrm>
+                    <a:off x="5957892" y="2516126"/>
+                    <a:ext cx="308307" cy="368499"/>
+                  </a:xfrm>
+                  <a:prstGeom prst="rect">
+                    <a:avLst/>
+                  </a:prstGeom>
+                  <a:noFill/>
+                </p:spPr>
+                <p:txBody>
+                  <a:bodyPr wrap="square" rtlCol="0">
+                    <a:spAutoFit/>
+                  </a:bodyPr>
+                  <a:lstStyle/>
+                  <a:p>
+                    <a14:m>
+                      <m:oMathPara xmlns:m="http://schemas.openxmlformats.org/officeDocument/2006/math">
+                        <m:oMathParaPr>
+                          <m:jc m:val="centerGroup"/>
+                        </m:oMathParaPr>
+                        <m:oMath xmlns:m="http://schemas.openxmlformats.org/officeDocument/2006/math">
+                          <m:acc>
+                            <m:accPr>
+                              <m:chr m:val="⃗"/>
+                              <m:ctrlPr>
+                                <a:rPr lang="en-US" sz="1600" b="0" i="1" smtClean="0">
+                                  <a:latin typeface="Cambria Math" charset="0"/>
+                                </a:rPr>
+                              </m:ctrlPr>
+                            </m:accPr>
+                            <m:e>
+                              <m:r>
+                                <a:rPr lang="en-US" sz="1600" b="0" i="1" smtClean="0">
+                                  <a:latin typeface="Cambria Math" charset="0"/>
+                                </a:rPr>
+                                <m:t>𝑅</m:t>
+                              </m:r>
+                            </m:e>
+                          </m:acc>
+                        </m:oMath>
+                      </m:oMathPara>
+                    </a14:m>
+                    <a:endParaRPr lang="en-US" sz="1600" dirty="0"/>
+                  </a:p>
+                </p:txBody>
+              </p:sp>
+            </mc:Choice>
+            <mc:Fallback>
+              <p:sp>
+                <p:nvSpPr>
+                  <p:cNvPr id="2" name="TextBox 1"/>
+                  <p:cNvSpPr txBox="1">
+                    <a:spLocks noRot="1" noChangeAspect="1" noMove="1" noResize="1" noEditPoints="1" noAdjustHandles="1" noChangeArrowheads="1" noChangeShapeType="1" noTextEdit="1"/>
+                  </p:cNvSpPr>
+                  <p:nvPr/>
+                </p:nvSpPr>
+                <p:spPr>
+                  <a:xfrm>
+                    <a:off x="5957892" y="2516126"/>
+                    <a:ext cx="308307" cy="368499"/>
+                  </a:xfrm>
+                  <a:prstGeom prst="rect">
+                    <a:avLst/>
+                  </a:prstGeom>
+                  <a:blipFill rotWithShape="0">
+                    <a:blip r:embed="rId3"/>
+                    <a:stretch>
+                      <a:fillRect/>
+                    </a:stretch>
+                  </a:blipFill>
+                </p:spPr>
+                <p:txBody>
+                  <a:bodyPr/>
+                  <a:lstStyle/>
+                  <a:p>
+                    <a:r>
+                      <a:rPr lang="en-US">
+                        <a:noFill/>
+                      </a:rPr>
+                      <a:t> </a:t>
+                    </a:r>
+                  </a:p>
+                </p:txBody>
+              </p:sp>
+            </mc:Fallback>
+          </mc:AlternateContent>
+          <mc:AlternateContent xmlns:mc="http://schemas.openxmlformats.org/markup-compatibility/2006">
+            <mc:Choice xmlns:a14="http://schemas.microsoft.com/office/drawing/2010/main" Requires="a14">
+              <p:sp>
+                <p:nvSpPr>
+                  <p:cNvPr id="29" name="TextBox 28"/>
+                  <p:cNvSpPr txBox="1"/>
+                  <p:nvPr/>
+                </p:nvSpPr>
+                <p:spPr>
+                  <a:xfrm>
+                    <a:off x="6914430" y="1939453"/>
+                    <a:ext cx="690253" cy="374974"/>
+                  </a:xfrm>
+                  <a:prstGeom prst="rect">
+                    <a:avLst/>
+                  </a:prstGeom>
+                  <a:noFill/>
+                </p:spPr>
+                <p:txBody>
+                  <a:bodyPr wrap="none" rtlCol="0">
+                    <a:spAutoFit/>
+                  </a:bodyPr>
+                  <a:lstStyle/>
+                  <a:p>
+                    <a14:m>
+                      <m:oMathPara xmlns:m="http://schemas.openxmlformats.org/officeDocument/2006/math">
+                        <m:oMathParaPr>
+                          <m:jc m:val="centerGroup"/>
+                        </m:oMathParaPr>
+                        <m:oMath xmlns:m="http://schemas.openxmlformats.org/officeDocument/2006/math">
+                          <m:acc>
+                            <m:accPr>
+                              <m:chr m:val="⃗"/>
+                              <m:ctrlPr>
+                                <a:rPr lang="en-US" sz="1600" i="1" dirty="0" smtClean="0">
+                                  <a:latin typeface="Cambria Math" charset="0"/>
+                                </a:rPr>
+                              </m:ctrlPr>
+                            </m:accPr>
+                            <m:e>
+                              <m:r>
+                                <a:rPr lang="en-US" sz="1600" b="0" i="1" dirty="0" smtClean="0">
+                                  <a:latin typeface="Cambria Math" charset="0"/>
+                                </a:rPr>
+                                <m:t>𝑘</m:t>
+                              </m:r>
+                            </m:e>
+                          </m:acc>
+                          <m:r>
+                            <a:rPr lang="en-US" sz="1600" b="0" i="1" dirty="0" smtClean="0">
+                              <a:latin typeface="Cambria Math" charset="0"/>
+                            </a:rPr>
+                            <m:t>′</m:t>
+                          </m:r>
+                          <m:r>
+                            <a:rPr lang="en-US" sz="1600" i="1" dirty="0">
+                              <a:latin typeface="Cambria Math" charset="0"/>
+                              <a:ea typeface="Cambria Math" charset="0"/>
+                              <a:cs typeface="Cambria Math" charset="0"/>
+                            </a:rPr>
+                            <m:t>∙</m:t>
+                          </m:r>
+                          <m:acc>
+                            <m:accPr>
+                              <m:chr m:val="⃗"/>
+                              <m:ctrlPr>
+                                <a:rPr lang="en-US" sz="1600" i="1" dirty="0" smtClean="0">
+                                  <a:latin typeface="Cambria Math" charset="0"/>
+                                  <a:ea typeface="Cambria Math" charset="0"/>
+                                  <a:cs typeface="Cambria Math" charset="0"/>
+                                </a:rPr>
+                              </m:ctrlPr>
+                            </m:accPr>
+                            <m:e>
+                              <m:r>
+                                <a:rPr lang="en-US" sz="1600" b="0" i="1" dirty="0" smtClean="0">
+                                  <a:latin typeface="Cambria Math" charset="0"/>
+                                  <a:ea typeface="Cambria Math" charset="0"/>
+                                  <a:cs typeface="Cambria Math" charset="0"/>
+                                </a:rPr>
+                                <m:t>𝑅</m:t>
+                              </m:r>
+                            </m:e>
+                          </m:acc>
+                        </m:oMath>
+                      </m:oMathPara>
+                    </a14:m>
+                    <a:endParaRPr lang="en-US" sz="1600" dirty="0"/>
+                  </a:p>
+                </p:txBody>
+              </p:sp>
+            </mc:Choice>
+            <mc:Fallback>
+              <p:sp>
+                <p:nvSpPr>
+                  <p:cNvPr id="29" name="TextBox 28"/>
+                  <p:cNvSpPr txBox="1">
+                    <a:spLocks noRot="1" noChangeAspect="1" noMove="1" noResize="1" noEditPoints="1" noAdjustHandles="1" noChangeArrowheads="1" noChangeShapeType="1" noTextEdit="1"/>
+                  </p:cNvSpPr>
+                  <p:nvPr/>
+                </p:nvSpPr>
+                <p:spPr>
+                  <a:xfrm>
+                    <a:off x="6914430" y="1939453"/>
+                    <a:ext cx="690253" cy="374974"/>
+                  </a:xfrm>
+                  <a:prstGeom prst="rect">
+                    <a:avLst/>
+                  </a:prstGeom>
+                  <a:blipFill rotWithShape="0">
+                    <a:blip r:embed="rId4"/>
+                    <a:stretch>
+                      <a:fillRect/>
+                    </a:stretch>
+                  </a:blipFill>
+                </p:spPr>
+                <p:txBody>
+                  <a:bodyPr/>
+                  <a:lstStyle/>
+                  <a:p>
+                    <a:r>
+                      <a:rPr lang="en-US">
+                        <a:noFill/>
+                      </a:rPr>
+                      <a:t> </a:t>
+                    </a:r>
+                  </a:p>
+                </p:txBody>
+              </p:sp>
+            </mc:Fallback>
+          </mc:AlternateContent>
+        </p:grpSp>
         <p:cxnSp>
           <p:nvCxnSpPr>
-            <p:cNvPr id="12" name="Straight Connector 11"/>
+            <p:cNvPr id="41" name="Straight Connector 40"/>
             <p:cNvCxnSpPr/>
             <p:nvPr/>
           </p:nvCxnSpPr>
           <p:spPr>
-            <a:xfrm flipH="1">
-              <a:off x="6150279" y="2805830"/>
-              <a:ext cx="6264" cy="0"/>
+            <a:xfrm flipH="1" flipV="1">
+              <a:off x="8591572" y="2552275"/>
+              <a:ext cx="45786" cy="2007798"/>
             </a:xfrm>
             <a:prstGeom prst="line">
               <a:avLst/>
             </a:prstGeom>
-          </p:spPr>
-          <p:style>
-            <a:lnRef idx="1">
-              <a:schemeClr val="accent1"/>
-            </a:lnRef>
-            <a:fillRef idx="0">
-              <a:schemeClr val="accent1"/>
-            </a:fillRef>
-            <a:effectRef idx="0">
-              <a:schemeClr val="accent1"/>
-            </a:effectRef>
-            <a:fontRef idx="minor">
-              <a:schemeClr val="tx1"/>
-            </a:fontRef>
-          </p:style>
-        </p:cxnSp>
-        <p:cxnSp>
-          <p:nvCxnSpPr>
-            <p:cNvPr id="23" name="Straight Connector 22"/>
-            <p:cNvCxnSpPr/>
-            <p:nvPr/>
-          </p:nvCxnSpPr>
-          <p:spPr>
-            <a:xfrm>
-              <a:off x="6145517" y="2805830"/>
-              <a:ext cx="276715" cy="534444"/>
-            </a:xfrm>
-            <a:prstGeom prst="line">
-              <a:avLst/>
-            </a:prstGeom>
-            <a:ln w="12700">
+            <a:ln w="28575">
               <a:solidFill>
-                <a:schemeClr val="bg1">
-                  <a:lumMod val="95000"/>
-                </a:schemeClr>
+                <a:schemeClr val="accent2"/>
               </a:solidFill>
-              <a:prstDash val="sysDash"/>
+              <a:tailEnd type="triangle"/>
             </a:ln>
           </p:spPr>
           <p:style>
@@ -3091,800 +4244,115 @@
             </a:fontRef>
           </p:style>
         </p:cxnSp>
-        <p:cxnSp>
-          <p:nvCxnSpPr>
-            <p:cNvPr id="25" name="Straight Connector 24"/>
-            <p:cNvCxnSpPr/>
-            <p:nvPr/>
-          </p:nvCxnSpPr>
-          <p:spPr>
-            <a:xfrm flipH="1">
-              <a:off x="5904201" y="2805830"/>
-              <a:ext cx="257983" cy="534444"/>
-            </a:xfrm>
-            <a:prstGeom prst="line">
-              <a:avLst/>
-            </a:prstGeom>
-            <a:ln w="12700">
-              <a:solidFill>
-                <a:schemeClr val="bg1">
-                  <a:lumMod val="95000"/>
-                </a:schemeClr>
-              </a:solidFill>
-              <a:prstDash val="sysDash"/>
-            </a:ln>
-          </p:spPr>
-          <p:style>
-            <a:lnRef idx="1">
-              <a:schemeClr val="accent1"/>
-            </a:lnRef>
-            <a:fillRef idx="0">
-              <a:schemeClr val="accent1"/>
-            </a:fillRef>
-            <a:effectRef idx="0">
-              <a:schemeClr val="accent1"/>
-            </a:effectRef>
-            <a:fontRef idx="minor">
-              <a:schemeClr val="tx1"/>
-            </a:fontRef>
-          </p:style>
-        </p:cxnSp>
-        <p:sp>
-          <p:nvSpPr>
-            <p:cNvPr id="28" name="Arc 27"/>
-            <p:cNvSpPr/>
-            <p:nvPr/>
-          </p:nvSpPr>
-          <p:spPr>
-            <a:xfrm rot="1299050">
-              <a:off x="5752470" y="3166933"/>
-              <a:ext cx="323666" cy="360971"/>
-            </a:xfrm>
-            <a:prstGeom prst="arc">
-              <a:avLst/>
-            </a:prstGeom>
-            <a:ln>
-              <a:solidFill>
-                <a:schemeClr val="bg1">
-                  <a:lumMod val="95000"/>
-                </a:schemeClr>
-              </a:solidFill>
-            </a:ln>
-          </p:spPr>
-          <p:style>
-            <a:lnRef idx="1">
-              <a:schemeClr val="accent1"/>
-            </a:lnRef>
-            <a:fillRef idx="0">
-              <a:schemeClr val="accent1"/>
-            </a:fillRef>
-            <a:effectRef idx="0">
-              <a:schemeClr val="accent1"/>
-            </a:effectRef>
-            <a:fontRef idx="minor">
-              <a:schemeClr val="tx1"/>
-            </a:fontRef>
-          </p:style>
-          <p:txBody>
-            <a:bodyPr rtlCol="0" anchor="ctr"/>
-            <a:lstStyle/>
-            <a:p>
-              <a:pPr algn="ctr"/>
-              <a:endParaRPr lang="en-US"/>
-            </a:p>
-          </p:txBody>
-        </p:sp>
-        <p:sp>
-          <p:nvSpPr>
-            <p:cNvPr id="38" name="Arc 37"/>
-            <p:cNvSpPr/>
-            <p:nvPr/>
-          </p:nvSpPr>
-          <p:spPr>
-            <a:xfrm rot="19973593" flipH="1">
-              <a:off x="6274141" y="3174092"/>
-              <a:ext cx="264114" cy="313745"/>
-            </a:xfrm>
-            <a:prstGeom prst="arc">
-              <a:avLst/>
-            </a:prstGeom>
-            <a:ln>
-              <a:solidFill>
-                <a:schemeClr val="bg1">
-                  <a:lumMod val="95000"/>
-                </a:schemeClr>
-              </a:solidFill>
-            </a:ln>
-          </p:spPr>
-          <p:style>
-            <a:lnRef idx="1">
-              <a:schemeClr val="accent1"/>
-            </a:lnRef>
-            <a:fillRef idx="0">
-              <a:schemeClr val="accent1"/>
-            </a:fillRef>
-            <a:effectRef idx="0">
-              <a:schemeClr val="accent1"/>
-            </a:effectRef>
-            <a:fontRef idx="minor">
-              <a:schemeClr val="tx1"/>
-            </a:fontRef>
-          </p:style>
-          <p:txBody>
-            <a:bodyPr rtlCol="0" anchor="ctr"/>
-            <a:lstStyle/>
-            <a:p>
-              <a:pPr algn="ctr"/>
-              <a:endParaRPr lang="en-US"/>
-            </a:p>
-          </p:txBody>
-        </p:sp>
-        <p:sp>
-          <p:nvSpPr>
-            <p:cNvPr id="39" name="Oval 38"/>
-            <p:cNvSpPr/>
-            <p:nvPr/>
-          </p:nvSpPr>
-          <p:spPr>
-            <a:xfrm>
-              <a:off x="5966941" y="3281363"/>
-              <a:ext cx="45719" cy="45719"/>
-            </a:xfrm>
-            <a:prstGeom prst="ellipse">
-              <a:avLst/>
-            </a:prstGeom>
-            <a:solidFill>
-              <a:schemeClr val="bg1"/>
-            </a:solidFill>
-            <a:ln>
-              <a:solidFill>
-                <a:schemeClr val="accent1"/>
-              </a:solidFill>
-            </a:ln>
-          </p:spPr>
-          <p:style>
-            <a:lnRef idx="2">
-              <a:schemeClr val="accent1">
-                <a:shade val="50000"/>
-              </a:schemeClr>
-            </a:lnRef>
-            <a:fillRef idx="1">
-              <a:schemeClr val="accent1"/>
-            </a:fillRef>
-            <a:effectRef idx="0">
-              <a:schemeClr val="accent1"/>
-            </a:effectRef>
-            <a:fontRef idx="minor">
-              <a:schemeClr val="lt1"/>
-            </a:fontRef>
-          </p:style>
-          <p:txBody>
-            <a:bodyPr rtlCol="0" anchor="ctr"/>
-            <a:lstStyle/>
-            <a:p>
-              <a:pPr algn="ctr"/>
-              <a:endParaRPr lang="en-US"/>
-            </a:p>
-          </p:txBody>
-        </p:sp>
-        <p:sp>
-          <p:nvSpPr>
-            <p:cNvPr id="40" name="Oval 39"/>
-            <p:cNvSpPr/>
-            <p:nvPr/>
-          </p:nvSpPr>
-          <p:spPr>
-            <a:xfrm>
-              <a:off x="6319364" y="3278972"/>
-              <a:ext cx="45719" cy="45719"/>
-            </a:xfrm>
-            <a:prstGeom prst="ellipse">
-              <a:avLst/>
-            </a:prstGeom>
-            <a:solidFill>
-              <a:schemeClr val="bg1"/>
-            </a:solidFill>
-            <a:ln>
-              <a:solidFill>
-                <a:schemeClr val="accent1"/>
-              </a:solidFill>
-            </a:ln>
-          </p:spPr>
-          <p:style>
-            <a:lnRef idx="2">
-              <a:schemeClr val="accent1">
-                <a:shade val="50000"/>
-              </a:schemeClr>
-            </a:lnRef>
-            <a:fillRef idx="1">
-              <a:schemeClr val="accent1"/>
-            </a:fillRef>
-            <a:effectRef idx="0">
-              <a:schemeClr val="accent1"/>
-            </a:effectRef>
-            <a:fontRef idx="minor">
-              <a:schemeClr val="lt1"/>
-            </a:fontRef>
-          </p:style>
-          <p:txBody>
-            <a:bodyPr rtlCol="0" anchor="ctr"/>
-            <a:lstStyle/>
-            <a:p>
-              <a:pPr algn="ctr"/>
-              <a:endParaRPr lang="en-US"/>
-            </a:p>
-          </p:txBody>
-        </p:sp>
-        <p:sp>
-          <p:nvSpPr>
-            <p:cNvPr id="45" name="TextBox 44"/>
-            <p:cNvSpPr txBox="1"/>
-            <p:nvPr/>
-          </p:nvSpPr>
-          <p:spPr>
-            <a:xfrm>
-              <a:off x="4599817" y="1669093"/>
-              <a:ext cx="288862" cy="369332"/>
-            </a:xfrm>
-            <a:prstGeom prst="rect">
-              <a:avLst/>
-            </a:prstGeom>
-            <a:noFill/>
-          </p:spPr>
-          <p:txBody>
-            <a:bodyPr wrap="none" rtlCol="0">
-              <a:spAutoFit/>
-            </a:bodyPr>
-            <a:lstStyle/>
-            <a:p>
-              <a:r>
-                <a:rPr lang="en-US" dirty="0" smtClean="0"/>
-                <a:t>k</a:t>
-              </a:r>
-              <a:endParaRPr lang="en-US" dirty="0"/>
-            </a:p>
-          </p:txBody>
-        </p:sp>
-        <p:sp>
-          <p:nvSpPr>
-            <p:cNvPr id="46" name="TextBox 45"/>
-            <p:cNvSpPr txBox="1"/>
-            <p:nvPr/>
-          </p:nvSpPr>
-          <p:spPr>
-            <a:xfrm>
-              <a:off x="7353300" y="1669094"/>
-              <a:ext cx="346570" cy="369332"/>
-            </a:xfrm>
-            <a:prstGeom prst="rect">
-              <a:avLst/>
-            </a:prstGeom>
-            <a:noFill/>
-          </p:spPr>
-          <p:txBody>
-            <a:bodyPr wrap="none" rtlCol="0">
-              <a:spAutoFit/>
-            </a:bodyPr>
-            <a:lstStyle/>
-            <a:p>
-              <a:r>
-                <a:rPr lang="en-US" dirty="0"/>
-                <a:t>k</a:t>
-              </a:r>
-              <a:r>
-                <a:rPr lang="en-US" dirty="0" smtClean="0"/>
-                <a:t>’</a:t>
-              </a:r>
-              <a:endParaRPr lang="en-US" dirty="0"/>
-            </a:p>
-          </p:txBody>
-        </p:sp>
-        <p:sp>
-          <p:nvSpPr>
-            <p:cNvPr id="47" name="TextBox 46"/>
-            <p:cNvSpPr txBox="1"/>
-            <p:nvPr/>
-          </p:nvSpPr>
-          <p:spPr>
-            <a:xfrm>
-              <a:off x="5997581" y="3387832"/>
-              <a:ext cx="336952" cy="369332"/>
-            </a:xfrm>
-            <a:prstGeom prst="rect">
-              <a:avLst/>
-            </a:prstGeom>
-            <a:noFill/>
-          </p:spPr>
-          <p:txBody>
-            <a:bodyPr wrap="none" rtlCol="0">
-              <a:spAutoFit/>
-            </a:bodyPr>
-            <a:lstStyle/>
-            <a:p>
-              <a:r>
-                <a:rPr lang="en-US" dirty="0" smtClean="0"/>
-                <a:t>O</a:t>
-              </a:r>
-              <a:endParaRPr lang="en-US" dirty="0"/>
-            </a:p>
-          </p:txBody>
-        </p:sp>
-        <p:cxnSp>
-          <p:nvCxnSpPr>
-            <p:cNvPr id="17" name="Straight Connector 16"/>
-            <p:cNvCxnSpPr/>
-            <p:nvPr/>
-          </p:nvCxnSpPr>
-          <p:spPr>
-            <a:xfrm flipV="1">
-              <a:off x="6150279" y="998483"/>
-              <a:ext cx="4149859" cy="1807348"/>
-            </a:xfrm>
-            <a:prstGeom prst="line">
-              <a:avLst/>
-            </a:prstGeom>
-            <a:ln w="28575">
-              <a:solidFill>
-                <a:srgbClr val="FF0000"/>
-              </a:solidFill>
-            </a:ln>
-          </p:spPr>
-          <p:style>
-            <a:lnRef idx="1">
-              <a:schemeClr val="accent1"/>
-            </a:lnRef>
-            <a:fillRef idx="0">
-              <a:schemeClr val="accent1"/>
-            </a:fillRef>
-            <a:effectRef idx="0">
-              <a:schemeClr val="accent1"/>
-            </a:effectRef>
-            <a:fontRef idx="minor">
-              <a:schemeClr val="tx1"/>
-            </a:fontRef>
-          </p:style>
-        </p:cxnSp>
-        <p:cxnSp>
-          <p:nvCxnSpPr>
-            <p:cNvPr id="14" name="Straight Connector 13"/>
-            <p:cNvCxnSpPr/>
-            <p:nvPr/>
-          </p:nvCxnSpPr>
-          <p:spPr>
-            <a:xfrm flipH="1" flipV="1">
-              <a:off x="2299063" y="1073325"/>
-              <a:ext cx="3857482" cy="1732506"/>
-            </a:xfrm>
-            <a:prstGeom prst="line">
-              <a:avLst/>
-            </a:prstGeom>
-            <a:ln w="28575">
-              <a:solidFill>
-                <a:srgbClr val="FF0000"/>
-              </a:solidFill>
-            </a:ln>
-          </p:spPr>
-          <p:style>
-            <a:lnRef idx="1">
-              <a:schemeClr val="accent1"/>
-            </a:lnRef>
-            <a:fillRef idx="0">
-              <a:schemeClr val="accent1"/>
-            </a:fillRef>
-            <a:effectRef idx="0">
-              <a:schemeClr val="accent1"/>
-            </a:effectRef>
-            <a:fontRef idx="minor">
-              <a:schemeClr val="tx1"/>
-            </a:fontRef>
-          </p:style>
-        </p:cxnSp>
-        <p:cxnSp>
-          <p:nvCxnSpPr>
-            <p:cNvPr id="6" name="Straight Connector 5"/>
-            <p:cNvCxnSpPr/>
-            <p:nvPr/>
-          </p:nvCxnSpPr>
-          <p:spPr>
-            <a:xfrm flipH="1" flipV="1">
-              <a:off x="2008926" y="1666713"/>
-              <a:ext cx="4152379" cy="1794353"/>
-            </a:xfrm>
-            <a:prstGeom prst="line">
-              <a:avLst/>
-            </a:prstGeom>
-            <a:ln w="28575">
-              <a:solidFill>
-                <a:srgbClr val="FF0000"/>
-              </a:solidFill>
-            </a:ln>
-          </p:spPr>
-          <p:style>
-            <a:lnRef idx="1">
-              <a:schemeClr val="accent1"/>
-            </a:lnRef>
-            <a:fillRef idx="0">
-              <a:schemeClr val="accent1"/>
-            </a:fillRef>
-            <a:effectRef idx="0">
-              <a:schemeClr val="accent1"/>
-            </a:effectRef>
-            <a:fontRef idx="minor">
-              <a:schemeClr val="tx1"/>
-            </a:fontRef>
-          </p:style>
-        </p:cxnSp>
-        <p:cxnSp>
-          <p:nvCxnSpPr>
-            <p:cNvPr id="9" name="Straight Connector 8"/>
-            <p:cNvCxnSpPr/>
-            <p:nvPr/>
-          </p:nvCxnSpPr>
-          <p:spPr>
-            <a:xfrm flipV="1">
-              <a:off x="6156543" y="1518781"/>
-              <a:ext cx="4427949" cy="1944667"/>
-            </a:xfrm>
-            <a:prstGeom prst="line">
-              <a:avLst/>
-            </a:prstGeom>
-            <a:ln w="28575">
-              <a:solidFill>
-                <a:srgbClr val="FF0000"/>
-              </a:solidFill>
-            </a:ln>
-          </p:spPr>
-          <p:style>
-            <a:lnRef idx="1">
-              <a:schemeClr val="accent1"/>
-            </a:lnRef>
-            <a:fillRef idx="0">
-              <a:schemeClr val="accent1"/>
-            </a:fillRef>
-            <a:effectRef idx="0">
-              <a:schemeClr val="accent1"/>
-            </a:effectRef>
-            <a:fontRef idx="minor">
-              <a:schemeClr val="tx1"/>
-            </a:fontRef>
-          </p:style>
-        </p:cxnSp>
-        <p:cxnSp>
-          <p:nvCxnSpPr>
-            <p:cNvPr id="51" name="Straight Connector 50"/>
-            <p:cNvCxnSpPr/>
-            <p:nvPr/>
-          </p:nvCxnSpPr>
-          <p:spPr>
-            <a:xfrm>
-              <a:off x="6012660" y="3397358"/>
-              <a:ext cx="1611856" cy="736041"/>
-            </a:xfrm>
-            <a:prstGeom prst="line">
-              <a:avLst/>
-            </a:prstGeom>
-            <a:ln w="19050">
-              <a:solidFill>
-                <a:srgbClr val="FF0000"/>
-              </a:solidFill>
-              <a:prstDash val="dash"/>
-            </a:ln>
-          </p:spPr>
-          <p:style>
-            <a:lnRef idx="1">
-              <a:schemeClr val="accent1"/>
-            </a:lnRef>
-            <a:fillRef idx="0">
-              <a:schemeClr val="accent1"/>
-            </a:fillRef>
-            <a:effectRef idx="0">
-              <a:schemeClr val="accent1"/>
-            </a:effectRef>
-            <a:fontRef idx="minor">
-              <a:schemeClr val="tx1"/>
-            </a:fontRef>
-          </p:style>
-        </p:cxnSp>
-        <p:sp>
-          <p:nvSpPr>
-            <p:cNvPr id="53" name="Arc 52"/>
-            <p:cNvSpPr/>
-            <p:nvPr/>
-          </p:nvSpPr>
-          <p:spPr>
-            <a:xfrm rot="8089333" flipH="1">
-              <a:off x="6198089" y="3304844"/>
-              <a:ext cx="264114" cy="313745"/>
-            </a:xfrm>
-            <a:prstGeom prst="arc">
-              <a:avLst/>
-            </a:prstGeom>
-            <a:ln>
-              <a:solidFill>
-                <a:schemeClr val="bg1">
-                  <a:lumMod val="95000"/>
-                </a:schemeClr>
-              </a:solidFill>
-            </a:ln>
-          </p:spPr>
-          <p:style>
-            <a:lnRef idx="1">
-              <a:schemeClr val="accent1"/>
-            </a:lnRef>
-            <a:fillRef idx="0">
-              <a:schemeClr val="accent1"/>
-            </a:fillRef>
-            <a:effectRef idx="0">
-              <a:schemeClr val="accent1"/>
-            </a:effectRef>
-            <a:fontRef idx="minor">
-              <a:schemeClr val="tx1"/>
-            </a:fontRef>
-          </p:style>
-          <p:txBody>
-            <a:bodyPr rtlCol="0" anchor="ctr"/>
-            <a:lstStyle/>
-            <a:p>
-              <a:pPr algn="ctr"/>
-              <a:endParaRPr lang="en-US"/>
-            </a:p>
-          </p:txBody>
-        </p:sp>
-        <p:sp>
-          <p:nvSpPr>
-            <p:cNvPr id="55" name="TextBox 54"/>
-            <p:cNvSpPr txBox="1"/>
-            <p:nvPr/>
-          </p:nvSpPr>
-          <p:spPr>
-            <a:xfrm>
-              <a:off x="6423571" y="3272252"/>
-              <a:ext cx="336952" cy="369332"/>
-            </a:xfrm>
-            <a:prstGeom prst="rect">
-              <a:avLst/>
-            </a:prstGeom>
-            <a:noFill/>
-          </p:spPr>
-          <p:txBody>
-            <a:bodyPr wrap="none" rtlCol="0">
-              <a:spAutoFit/>
-            </a:bodyPr>
-            <a:lstStyle/>
-            <a:p>
-              <a:r>
-                <a:rPr lang="el-GR" dirty="0" smtClean="0">
-                  <a:solidFill>
-                    <a:schemeClr val="bg1"/>
-                  </a:solidFill>
-                </a:rPr>
-                <a:t>Θ</a:t>
-              </a:r>
-              <a:endParaRPr lang="en-US" dirty="0">
+        <mc:AlternateContent xmlns:mc="http://schemas.openxmlformats.org/markup-compatibility/2006">
+          <mc:Choice xmlns:a14="http://schemas.microsoft.com/office/drawing/2010/main" Requires="a14">
+            <p:sp>
+              <p:nvSpPr>
+                <p:cNvPr id="30" name="TextBox 29"/>
+                <p:cNvSpPr txBox="1"/>
+                <p:nvPr/>
+              </p:nvSpPr>
+              <p:spPr>
+                <a:xfrm>
+                  <a:off x="8671164" y="3357429"/>
+                  <a:ext cx="376642" cy="370101"/>
+                </a:xfrm>
+                <a:prstGeom prst="rect">
+                  <a:avLst/>
+                </a:prstGeom>
                 <a:solidFill>
                   <a:schemeClr val="bg1"/>
                 </a:solidFill>
-              </a:endParaRPr>
-            </a:p>
-          </p:txBody>
-        </p:sp>
-        <p:sp>
-          <p:nvSpPr>
-            <p:cNvPr id="56" name="TextBox 55"/>
-            <p:cNvSpPr txBox="1"/>
-            <p:nvPr/>
-          </p:nvSpPr>
-          <p:spPr>
-            <a:xfrm>
-              <a:off x="1847342" y="2435308"/>
-              <a:ext cx="1375248" cy="369332"/>
-            </a:xfrm>
-            <a:prstGeom prst="rect">
-              <a:avLst/>
-            </a:prstGeom>
-            <a:noFill/>
-          </p:spPr>
-          <p:txBody>
-            <a:bodyPr wrap="none" rtlCol="0">
-              <a:spAutoFit/>
-            </a:bodyPr>
-            <a:lstStyle/>
-            <a:p>
-              <a:r>
-                <a:rPr lang="en-US" dirty="0" smtClean="0"/>
-                <a:t>Incident rays</a:t>
-              </a:r>
-              <a:endParaRPr lang="en-US" dirty="0"/>
-            </a:p>
-          </p:txBody>
-        </p:sp>
-        <p:sp>
-          <p:nvSpPr>
-            <p:cNvPr id="57" name="TextBox 56"/>
-            <p:cNvSpPr txBox="1"/>
-            <p:nvPr/>
-          </p:nvSpPr>
-          <p:spPr>
-            <a:xfrm>
-              <a:off x="8575298" y="2512689"/>
-              <a:ext cx="1499193" cy="369332"/>
-            </a:xfrm>
-            <a:prstGeom prst="rect">
-              <a:avLst/>
-            </a:prstGeom>
-            <a:noFill/>
-          </p:spPr>
-          <p:txBody>
-            <a:bodyPr wrap="none" rtlCol="0">
-              <a:spAutoFit/>
-            </a:bodyPr>
-            <a:lstStyle/>
-            <a:p>
-              <a:r>
-                <a:rPr lang="en-US" dirty="0" smtClean="0"/>
-                <a:t>Scattered rays</a:t>
-              </a:r>
-              <a:endParaRPr lang="en-US" dirty="0"/>
-            </a:p>
-          </p:txBody>
-        </p:sp>
-        <p:cxnSp>
-          <p:nvCxnSpPr>
-            <p:cNvPr id="59" name="Straight Connector 58"/>
-            <p:cNvCxnSpPr/>
-            <p:nvPr/>
-          </p:nvCxnSpPr>
-          <p:spPr>
-            <a:xfrm>
-              <a:off x="5902862" y="3340274"/>
-              <a:ext cx="259813" cy="110157"/>
-            </a:xfrm>
-            <a:prstGeom prst="line">
-              <a:avLst/>
-            </a:prstGeom>
-            <a:ln w="12700">
-              <a:solidFill>
-                <a:schemeClr val="accent4">
-                  <a:lumMod val="60000"/>
-                  <a:lumOff val="40000"/>
-                </a:schemeClr>
-              </a:solidFill>
-            </a:ln>
-          </p:spPr>
-          <p:style>
-            <a:lnRef idx="1">
-              <a:schemeClr val="accent1"/>
-            </a:lnRef>
-            <a:fillRef idx="0">
-              <a:schemeClr val="accent1"/>
-            </a:fillRef>
-            <a:effectRef idx="0">
-              <a:schemeClr val="accent1"/>
-            </a:effectRef>
-            <a:fontRef idx="minor">
-              <a:schemeClr val="tx1"/>
-            </a:fontRef>
-          </p:style>
-        </p:cxnSp>
-        <p:sp>
-          <p:nvSpPr>
-            <p:cNvPr id="70" name="TextBox 69"/>
-            <p:cNvSpPr txBox="1"/>
-            <p:nvPr/>
-          </p:nvSpPr>
-          <p:spPr>
-            <a:xfrm rot="1343422">
-              <a:off x="5797777" y="3323971"/>
-              <a:ext cx="304892" cy="369332"/>
-            </a:xfrm>
-            <a:prstGeom prst="rect">
-              <a:avLst/>
-            </a:prstGeom>
-            <a:noFill/>
-          </p:spPr>
-          <p:txBody>
-            <a:bodyPr wrap="none" rtlCol="0">
-              <a:spAutoFit/>
-            </a:bodyPr>
-            <a:lstStyle/>
-            <a:p>
-              <a:r>
-                <a:rPr lang="el-GR" dirty="0" smtClean="0">
-                  <a:solidFill>
-                    <a:schemeClr val="accent4">
-                      <a:lumMod val="60000"/>
-                      <a:lumOff val="40000"/>
-                    </a:schemeClr>
-                  </a:solidFill>
-                </a:rPr>
-                <a:t>δ</a:t>
-              </a:r>
-              <a:endParaRPr lang="en-US" dirty="0">
-                <a:solidFill>
-                  <a:schemeClr val="accent4">
-                    <a:lumMod val="60000"/>
-                    <a:lumOff val="40000"/>
-                  </a:schemeClr>
-                </a:solidFill>
-              </a:endParaRPr>
-            </a:p>
-          </p:txBody>
-        </p:sp>
-        <p:cxnSp>
-          <p:nvCxnSpPr>
-            <p:cNvPr id="20" name="Straight Connector 19"/>
-            <p:cNvCxnSpPr/>
-            <p:nvPr/>
-          </p:nvCxnSpPr>
-          <p:spPr>
-            <a:xfrm>
-              <a:off x="6153619" y="2804640"/>
-              <a:ext cx="9188" cy="658807"/>
-            </a:xfrm>
-            <a:prstGeom prst="line">
-              <a:avLst/>
-            </a:prstGeom>
-            <a:ln w="12700">
-              <a:solidFill>
-                <a:schemeClr val="tx1"/>
-              </a:solidFill>
-              <a:headEnd type="triangle" w="med" len="med"/>
-              <a:tailEnd type="oval" w="sm" len="sm"/>
-            </a:ln>
-          </p:spPr>
-          <p:style>
-            <a:lnRef idx="1">
-              <a:schemeClr val="accent1"/>
-            </a:lnRef>
-            <a:fillRef idx="0">
-              <a:schemeClr val="accent1"/>
-            </a:fillRef>
-            <a:effectRef idx="0">
-              <a:schemeClr val="accent1"/>
-            </a:effectRef>
-            <a:fontRef idx="minor">
-              <a:schemeClr val="tx1"/>
-            </a:fontRef>
-          </p:style>
-        </p:cxnSp>
-        <p:cxnSp>
-          <p:nvCxnSpPr>
-            <p:cNvPr id="68" name="Straight Connector 67"/>
-            <p:cNvCxnSpPr/>
-            <p:nvPr/>
-          </p:nvCxnSpPr>
-          <p:spPr>
-            <a:xfrm flipV="1">
-              <a:off x="6160269" y="3338979"/>
-              <a:ext cx="256311" cy="112657"/>
-            </a:xfrm>
-            <a:prstGeom prst="line">
-              <a:avLst/>
-            </a:prstGeom>
-            <a:ln w="12700">
-              <a:solidFill>
-                <a:schemeClr val="accent4">
-                  <a:lumMod val="60000"/>
-                  <a:lumOff val="40000"/>
-                </a:schemeClr>
-              </a:solidFill>
-            </a:ln>
-          </p:spPr>
-          <p:style>
-            <a:lnRef idx="1">
-              <a:schemeClr val="accent1"/>
-            </a:lnRef>
-            <a:fillRef idx="0">
-              <a:schemeClr val="accent1"/>
-            </a:fillRef>
-            <a:effectRef idx="0">
-              <a:schemeClr val="accent1"/>
-            </a:effectRef>
-            <a:fontRef idx="minor">
-              <a:schemeClr val="tx1"/>
-            </a:fontRef>
-          </p:style>
-        </p:cxnSp>
+                <a:ln>
+                  <a:noFill/>
+                </a:ln>
+              </p:spPr>
+              <p:txBody>
+                <a:bodyPr wrap="none" rtlCol="0">
+                  <a:spAutoFit/>
+                </a:bodyPr>
+                <a:lstStyle/>
+                <a:p>
+                  <a14:m>
+                    <m:oMathPara xmlns:m="http://schemas.openxmlformats.org/officeDocument/2006/math">
+                      <m:oMathParaPr>
+                        <m:jc m:val="centerGroup"/>
+                      </m:oMathParaPr>
+                      <m:oMath xmlns:m="http://schemas.openxmlformats.org/officeDocument/2006/math">
+                        <m:acc>
+                          <m:accPr>
+                            <m:chr m:val="⃗"/>
+                            <m:ctrlPr>
+                              <a:rPr lang="en-US" sz="1600" i="1" smtClean="0">
+                                <a:solidFill>
+                                  <a:schemeClr val="accent2"/>
+                                </a:solidFill>
+                                <a:latin typeface="Cambria Math" charset="0"/>
+                              </a:rPr>
+                            </m:ctrlPr>
+                          </m:accPr>
+                          <m:e>
+                            <m:r>
+                              <a:rPr lang="en-US" sz="1600" b="0" i="1" smtClean="0">
+                                <a:solidFill>
+                                  <a:schemeClr val="accent2"/>
+                                </a:solidFill>
+                                <a:latin typeface="Cambria Math" charset="0"/>
+                              </a:rPr>
+                              <m:t>𝑄</m:t>
+                            </m:r>
+                          </m:e>
+                        </m:acc>
+                      </m:oMath>
+                    </m:oMathPara>
+                  </a14:m>
+                  <a:endParaRPr lang="en-US" sz="1600" dirty="0"/>
+                </a:p>
+              </p:txBody>
+            </p:sp>
+          </mc:Choice>
+          <mc:Fallback>
+            <p:sp>
+              <p:nvSpPr>
+                <p:cNvPr id="30" name="TextBox 29"/>
+                <p:cNvSpPr txBox="1">
+                  <a:spLocks noRot="1" noChangeAspect="1" noMove="1" noResize="1" noEditPoints="1" noAdjustHandles="1" noChangeArrowheads="1" noChangeShapeType="1" noTextEdit="1"/>
+                </p:cNvSpPr>
+                <p:nvPr/>
+              </p:nvSpPr>
+              <p:spPr>
+                <a:xfrm>
+                  <a:off x="8671164" y="3357429"/>
+                  <a:ext cx="376642" cy="370101"/>
+                </a:xfrm>
+                <a:prstGeom prst="rect">
+                  <a:avLst/>
+                </a:prstGeom>
+                <a:blipFill rotWithShape="0">
+                  <a:blip r:embed="rId5"/>
+                  <a:stretch>
+                    <a:fillRect b="-8333"/>
+                  </a:stretch>
+                </a:blipFill>
+                <a:ln>
+                  <a:noFill/>
+                </a:ln>
+              </p:spPr>
+              <p:txBody>
+                <a:bodyPr/>
+                <a:lstStyle/>
+                <a:p>
+                  <a:r>
+                    <a:rPr lang="en-US">
+                      <a:noFill/>
+                    </a:rPr>
+                    <a:t> </a:t>
+                  </a:r>
+                </a:p>
+              </p:txBody>
+            </p:sp>
+          </mc:Fallback>
+        </mc:AlternateContent>
       </p:grpSp>
     </p:spTree>
     <p:extLst>
@@ -3896,6 +4364,13 @@
   <p:clrMapOvr>
     <a:masterClrMapping/>
   </p:clrMapOvr>
+  <p:timing>
+    <p:tnLst>
+      <p:par>
+        <p:cTn id="1" dur="indefinite" restart="never" nodeType="tmRoot"/>
+      </p:par>
+    </p:tnLst>
+  </p:timing>
 </p:sld>
 </file>
 
